--- a/Project 1 Slides - Smith.pptx
+++ b/Project 1 Slides - Smith.pptx
@@ -6,18 +6,24 @@
   </p:sldMasterIdLst>
   <p:sldIdLst>
     <p:sldId id="256" r:id="rId2"/>
-    <p:sldId id="257" r:id="rId3"/>
-    <p:sldId id="258" r:id="rId4"/>
-    <p:sldId id="259" r:id="rId5"/>
-    <p:sldId id="260" r:id="rId6"/>
-    <p:sldId id="261" r:id="rId7"/>
-    <p:sldId id="262" r:id="rId8"/>
-    <p:sldId id="263" r:id="rId9"/>
-    <p:sldId id="265" r:id="rId10"/>
-    <p:sldId id="266" r:id="rId11"/>
-    <p:sldId id="267" r:id="rId12"/>
-    <p:sldId id="268" r:id="rId13"/>
-    <p:sldId id="269" r:id="rId14"/>
+    <p:sldId id="270" r:id="rId3"/>
+    <p:sldId id="271" r:id="rId4"/>
+    <p:sldId id="272" r:id="rId5"/>
+    <p:sldId id="264" r:id="rId6"/>
+    <p:sldId id="273" r:id="rId7"/>
+    <p:sldId id="274" r:id="rId8"/>
+    <p:sldId id="257" r:id="rId9"/>
+    <p:sldId id="258" r:id="rId10"/>
+    <p:sldId id="259" r:id="rId11"/>
+    <p:sldId id="260" r:id="rId12"/>
+    <p:sldId id="261" r:id="rId13"/>
+    <p:sldId id="262" r:id="rId14"/>
+    <p:sldId id="263" r:id="rId15"/>
+    <p:sldId id="265" r:id="rId16"/>
+    <p:sldId id="266" r:id="rId17"/>
+    <p:sldId id="267" r:id="rId18"/>
+    <p:sldId id="268" r:id="rId19"/>
+    <p:sldId id="269" r:id="rId20"/>
   </p:sldIdLst>
   <p:sldSz cx="12192000" cy="6858000"/>
   <p:notesSz cx="6858000" cy="9144000"/>
@@ -127,7 +133,7 @@
 <file path=ppt/revisionInfo.xml><?xml version="1.0" encoding="utf-8"?>
 <p1510:revInfo xmlns:a="http://schemas.openxmlformats.org/drawingml/2006/main" xmlns:r="http://schemas.openxmlformats.org/officeDocument/2006/relationships" xmlns:p1510="http://schemas.microsoft.com/office/powerpoint/2015/10/main">
   <p1510:revLst>
-    <p1510:client id="{133950EE-6415-402B-8A75-264209EC4EAE}" v="14" dt="2024-08-09T04:59:35.916"/>
+    <p1510:client id="{8E7A88A7-A397-442C-A60F-AEC3ECD1AFEA}" v="1" dt="2024-08-11T20:37:13.354"/>
   </p1510:revLst>
 </p1510:revInfo>
 </file>
@@ -328,6 +334,57 @@
             <ac:picMk id="8" creationId="{DE091708-B4E8-D53B-F5A5-3FDE00EF00B1}"/>
           </ac:picMkLst>
         </pc:picChg>
+      </pc:sldChg>
+    </pc:docChg>
+  </pc:docChgLst>
+  <pc:docChgLst>
+    <pc:chgData name="Molly Fox" userId="d0c73aa7127c4df8" providerId="LiveId" clId="{8E7A88A7-A397-442C-A60F-AEC3ECD1AFEA}"/>
+    <pc:docChg chg="addSld modSld">
+      <pc:chgData name="Molly Fox" userId="d0c73aa7127c4df8" providerId="LiveId" clId="{8E7A88A7-A397-442C-A60F-AEC3ECD1AFEA}" dt="2024-08-11T20:37:13.344" v="0"/>
+      <pc:docMkLst>
+        <pc:docMk/>
+      </pc:docMkLst>
+      <pc:sldChg chg="add">
+        <pc:chgData name="Molly Fox" userId="d0c73aa7127c4df8" providerId="LiveId" clId="{8E7A88A7-A397-442C-A60F-AEC3ECD1AFEA}" dt="2024-08-11T20:37:13.344" v="0"/>
+        <pc:sldMkLst>
+          <pc:docMk/>
+          <pc:sldMk cId="4116476774" sldId="264"/>
+        </pc:sldMkLst>
+      </pc:sldChg>
+      <pc:sldChg chg="add">
+        <pc:chgData name="Molly Fox" userId="d0c73aa7127c4df8" providerId="LiveId" clId="{8E7A88A7-A397-442C-A60F-AEC3ECD1AFEA}" dt="2024-08-11T20:37:13.344" v="0"/>
+        <pc:sldMkLst>
+          <pc:docMk/>
+          <pc:sldMk cId="2963803295" sldId="270"/>
+        </pc:sldMkLst>
+      </pc:sldChg>
+      <pc:sldChg chg="add">
+        <pc:chgData name="Molly Fox" userId="d0c73aa7127c4df8" providerId="LiveId" clId="{8E7A88A7-A397-442C-A60F-AEC3ECD1AFEA}" dt="2024-08-11T20:37:13.344" v="0"/>
+        <pc:sldMkLst>
+          <pc:docMk/>
+          <pc:sldMk cId="3916745566" sldId="271"/>
+        </pc:sldMkLst>
+      </pc:sldChg>
+      <pc:sldChg chg="add">
+        <pc:chgData name="Molly Fox" userId="d0c73aa7127c4df8" providerId="LiveId" clId="{8E7A88A7-A397-442C-A60F-AEC3ECD1AFEA}" dt="2024-08-11T20:37:13.344" v="0"/>
+        <pc:sldMkLst>
+          <pc:docMk/>
+          <pc:sldMk cId="254239340" sldId="272"/>
+        </pc:sldMkLst>
+      </pc:sldChg>
+      <pc:sldChg chg="add">
+        <pc:chgData name="Molly Fox" userId="d0c73aa7127c4df8" providerId="LiveId" clId="{8E7A88A7-A397-442C-A60F-AEC3ECD1AFEA}" dt="2024-08-11T20:37:13.344" v="0"/>
+        <pc:sldMkLst>
+          <pc:docMk/>
+          <pc:sldMk cId="4243953035" sldId="273"/>
+        </pc:sldMkLst>
+      </pc:sldChg>
+      <pc:sldChg chg="add">
+        <pc:chgData name="Molly Fox" userId="d0c73aa7127c4df8" providerId="LiveId" clId="{8E7A88A7-A397-442C-A60F-AEC3ECD1AFEA}" dt="2024-08-11T20:37:13.344" v="0"/>
+        <pc:sldMkLst>
+          <pc:docMk/>
+          <pc:sldMk cId="868502603" sldId="274"/>
+        </pc:sldMkLst>
       </pc:sldChg>
     </pc:docChg>
   </pc:docChgLst>
@@ -3679,6 +3736,775 @@
           <a:chExt cx="0" cy="0"/>
         </a:xfrm>
       </p:grpSpPr>
+      <p:sp>
+        <p:nvSpPr>
+          <p:cNvPr id="2" name="Title 1">
+            <a:extLst>
+              <a:ext uri="{FF2B5EF4-FFF2-40B4-BE49-F238E27FC236}">
+                <a16:creationId xmlns:a16="http://schemas.microsoft.com/office/drawing/2014/main" id="{DF924D6F-EABB-7C31-B918-B51CCF7A3D84}"/>
+              </a:ext>
+            </a:extLst>
+          </p:cNvPr>
+          <p:cNvSpPr>
+            <a:spLocks noGrp="1"/>
+          </p:cNvSpPr>
+          <p:nvPr>
+            <p:ph type="title"/>
+          </p:nvPr>
+        </p:nvSpPr>
+        <p:spPr/>
+        <p:txBody>
+          <a:bodyPr/>
+          <a:lstStyle/>
+          <a:p>
+            <a:endParaRPr lang="en-US"/>
+          </a:p>
+        </p:txBody>
+      </p:sp>
+      <p:sp>
+        <p:nvSpPr>
+          <p:cNvPr id="3" name="Content Placeholder 2">
+            <a:extLst>
+              <a:ext uri="{FF2B5EF4-FFF2-40B4-BE49-F238E27FC236}">
+                <a16:creationId xmlns:a16="http://schemas.microsoft.com/office/drawing/2014/main" id="{C9CCDEED-0F03-D896-5146-E7492B6360EB}"/>
+              </a:ext>
+            </a:extLst>
+          </p:cNvPr>
+          <p:cNvSpPr>
+            <a:spLocks noGrp="1"/>
+          </p:cNvSpPr>
+          <p:nvPr>
+            <p:ph idx="1"/>
+          </p:nvPr>
+        </p:nvSpPr>
+        <p:spPr/>
+        <p:txBody>
+          <a:bodyPr/>
+          <a:lstStyle/>
+          <a:p>
+            <a:endParaRPr lang="en-US"/>
+          </a:p>
+        </p:txBody>
+      </p:sp>
+      <p:sp>
+        <p:nvSpPr>
+          <p:cNvPr id="4" name="Rectangle 1">
+            <a:extLst>
+              <a:ext uri="{FF2B5EF4-FFF2-40B4-BE49-F238E27FC236}">
+                <a16:creationId xmlns:a16="http://schemas.microsoft.com/office/drawing/2014/main" id="{A349B759-533C-F1F2-D7B7-0D57F69E11B5}"/>
+              </a:ext>
+            </a:extLst>
+          </p:cNvPr>
+          <p:cNvSpPr txBox="1">
+            <a:spLocks noChangeArrowheads="1"/>
+          </p:cNvSpPr>
+          <p:nvPr/>
+        </p:nvSpPr>
+        <p:spPr bwMode="auto">
+          <a:xfrm>
+            <a:off x="838200" y="473908"/>
+            <a:ext cx="10515600" cy="1107996"/>
+          </a:xfrm>
+          <a:prstGeom prst="rect">
+            <a:avLst/>
+          </a:prstGeom>
+          <a:solidFill>
+            <a:srgbClr val="FFFFFF"/>
+          </a:solidFill>
+          <a:ln>
+            <a:noFill/>
+          </a:ln>
+          <a:effectLst/>
+          <a:extLst>
+            <a:ext uri="{91240B29-F687-4F45-9708-019B960494DF}">
+              <a14:hiddenLine xmlns:a14="http://schemas.microsoft.com/office/drawing/2010/main" w="9525">
+                <a:solidFill>
+                  <a:schemeClr val="tx1"/>
+                </a:solidFill>
+                <a:miter lim="800000"/>
+                <a:headEnd/>
+                <a:tailEnd/>
+              </a14:hiddenLine>
+            </a:ext>
+            <a:ext uri="{AF507438-7753-43E0-B8FC-AC1667EBCBE1}">
+              <a14:hiddenEffects xmlns:a14="http://schemas.microsoft.com/office/drawing/2010/main">
+                <a:effectLst>
+                  <a:outerShdw dist="35921" dir="2700000" algn="ctr" rotWithShape="0">
+                    <a:schemeClr val="bg2"/>
+                  </a:outerShdw>
+                </a:effectLst>
+              </a14:hiddenEffects>
+            </a:ext>
+          </a:extLst>
+        </p:spPr>
+        <p:txBody>
+          <a:bodyPr vert="horz" wrap="square" lIns="91440" tIns="0" rIns="91440" bIns="0" numCol="1" rtlCol="0" anchor="ctr" anchorCtr="0" compatLnSpc="1">
+            <a:prstTxWarp prst="textNoShape">
+              <a:avLst/>
+            </a:prstTxWarp>
+            <a:spAutoFit/>
+          </a:bodyPr>
+          <a:lstStyle>
+            <a:lvl1pPr algn="l" defTabSz="914400" rtl="0" eaLnBrk="1" latinLnBrk="0" hangingPunct="1">
+              <a:lnSpc>
+                <a:spcPct val="90000"/>
+              </a:lnSpc>
+              <a:spcBef>
+                <a:spcPct val="0"/>
+              </a:spcBef>
+              <a:buNone/>
+              <a:defRPr sz="4400" kern="1200">
+                <a:solidFill>
+                  <a:schemeClr val="tx1"/>
+                </a:solidFill>
+                <a:latin typeface="+mj-lt"/>
+                <a:ea typeface="+mj-ea"/>
+                <a:cs typeface="+mj-cs"/>
+              </a:defRPr>
+            </a:lvl1pPr>
+          </a:lstStyle>
+          <a:p>
+            <a:pPr algn="ctr" eaLnBrk="0" fontAlgn="base" hangingPunct="0">
+              <a:lnSpc>
+                <a:spcPct val="100000"/>
+              </a:lnSpc>
+              <a:spcAft>
+                <a:spcPct val="0"/>
+              </a:spcAft>
+            </a:pPr>
+            <a:r>
+              <a:rPr lang="en-US" altLang="en-US" sz="3600" dirty="0">
+                <a:solidFill>
+                  <a:srgbClr val="1F2328"/>
+                </a:solidFill>
+                <a:latin typeface="var(--fontStack-monospace, ui-monospace, SFMono-Regular, SF Mono, Menlo, Consolas, Liberation Mono, monospace)"/>
+              </a:rPr>
+              <a:t>Can changes in water availability predict increases in conflict events?</a:t>
+            </a:r>
+            <a:endParaRPr lang="en-US" altLang="en-US" sz="3600" dirty="0">
+              <a:latin typeface="Arial" panose="020B0604020202020204" pitchFamily="34" charset="0"/>
+            </a:endParaRPr>
+          </a:p>
+        </p:txBody>
+      </p:sp>
+    </p:spTree>
+    <p:extLst>
+      <p:ext uri="{BB962C8B-B14F-4D97-AF65-F5344CB8AC3E}">
+        <p14:creationId xmlns:p14="http://schemas.microsoft.com/office/powerpoint/2010/main" val="889048183"/>
+      </p:ext>
+    </p:extLst>
+  </p:cSld>
+  <p:clrMapOvr>
+    <a:masterClrMapping/>
+  </p:clrMapOvr>
+</p:sld>
+</file>
+
+<file path=ppt/slides/slide11.xml><?xml version="1.0" encoding="utf-8"?>
+<p:sld xmlns:a="http://schemas.openxmlformats.org/drawingml/2006/main" xmlns:r="http://schemas.openxmlformats.org/officeDocument/2006/relationships" xmlns:p="http://schemas.openxmlformats.org/presentationml/2006/main">
+  <p:cSld>
+    <p:spTree>
+      <p:nvGrpSpPr>
+        <p:cNvPr id="1" name=""/>
+        <p:cNvGrpSpPr/>
+        <p:nvPr/>
+      </p:nvGrpSpPr>
+      <p:grpSpPr>
+        <a:xfrm>
+          <a:off x="0" y="0"/>
+          <a:ext cx="0" cy="0"/>
+          <a:chOff x="0" y="0"/>
+          <a:chExt cx="0" cy="0"/>
+        </a:xfrm>
+      </p:grpSpPr>
+      <p:sp>
+        <p:nvSpPr>
+          <p:cNvPr id="2" name="Title 1">
+            <a:extLst>
+              <a:ext uri="{FF2B5EF4-FFF2-40B4-BE49-F238E27FC236}">
+                <a16:creationId xmlns:a16="http://schemas.microsoft.com/office/drawing/2014/main" id="{E401CA9A-1960-1AC2-3214-EE4F524C3D11}"/>
+              </a:ext>
+            </a:extLst>
+          </p:cNvPr>
+          <p:cNvSpPr>
+            <a:spLocks noGrp="1"/>
+          </p:cNvSpPr>
+          <p:nvPr>
+            <p:ph type="title"/>
+          </p:nvPr>
+        </p:nvSpPr>
+        <p:spPr/>
+        <p:txBody>
+          <a:bodyPr/>
+          <a:lstStyle/>
+          <a:p>
+            <a:endParaRPr lang="en-US"/>
+          </a:p>
+        </p:txBody>
+      </p:sp>
+      <p:sp>
+        <p:nvSpPr>
+          <p:cNvPr id="3" name="Content Placeholder 2">
+            <a:extLst>
+              <a:ext uri="{FF2B5EF4-FFF2-40B4-BE49-F238E27FC236}">
+                <a16:creationId xmlns:a16="http://schemas.microsoft.com/office/drawing/2014/main" id="{AFEEC5D9-A576-ECC0-9A64-AC1A65D65312}"/>
+              </a:ext>
+            </a:extLst>
+          </p:cNvPr>
+          <p:cNvSpPr>
+            <a:spLocks noGrp="1"/>
+          </p:cNvSpPr>
+          <p:nvPr>
+            <p:ph idx="1"/>
+          </p:nvPr>
+        </p:nvSpPr>
+        <p:spPr/>
+        <p:txBody>
+          <a:bodyPr/>
+          <a:lstStyle/>
+          <a:p>
+            <a:endParaRPr lang="en-US"/>
+          </a:p>
+        </p:txBody>
+      </p:sp>
+      <p:sp>
+        <p:nvSpPr>
+          <p:cNvPr id="4" name="Rectangle 1">
+            <a:extLst>
+              <a:ext uri="{FF2B5EF4-FFF2-40B4-BE49-F238E27FC236}">
+                <a16:creationId xmlns:a16="http://schemas.microsoft.com/office/drawing/2014/main" id="{071311BC-608E-319C-C10A-0F0D96E60CED}"/>
+              </a:ext>
+            </a:extLst>
+          </p:cNvPr>
+          <p:cNvSpPr txBox="1">
+            <a:spLocks noChangeArrowheads="1"/>
+          </p:cNvSpPr>
+          <p:nvPr/>
+        </p:nvSpPr>
+        <p:spPr bwMode="auto">
+          <a:xfrm>
+            <a:off x="838200" y="473908"/>
+            <a:ext cx="10515600" cy="1107996"/>
+          </a:xfrm>
+          <a:prstGeom prst="rect">
+            <a:avLst/>
+          </a:prstGeom>
+          <a:solidFill>
+            <a:srgbClr val="FFFFFF"/>
+          </a:solidFill>
+          <a:ln>
+            <a:noFill/>
+          </a:ln>
+          <a:effectLst/>
+          <a:extLst>
+            <a:ext uri="{91240B29-F687-4F45-9708-019B960494DF}">
+              <a14:hiddenLine xmlns:a14="http://schemas.microsoft.com/office/drawing/2010/main" w="9525">
+                <a:solidFill>
+                  <a:schemeClr val="tx1"/>
+                </a:solidFill>
+                <a:miter lim="800000"/>
+                <a:headEnd/>
+                <a:tailEnd/>
+              </a14:hiddenLine>
+            </a:ext>
+            <a:ext uri="{AF507438-7753-43E0-B8FC-AC1667EBCBE1}">
+              <a14:hiddenEffects xmlns:a14="http://schemas.microsoft.com/office/drawing/2010/main">
+                <a:effectLst>
+                  <a:outerShdw dist="35921" dir="2700000" algn="ctr" rotWithShape="0">
+                    <a:schemeClr val="bg2"/>
+                  </a:outerShdw>
+                </a:effectLst>
+              </a14:hiddenEffects>
+            </a:ext>
+          </a:extLst>
+        </p:spPr>
+        <p:txBody>
+          <a:bodyPr vert="horz" wrap="square" lIns="91440" tIns="0" rIns="91440" bIns="0" numCol="1" rtlCol="0" anchor="ctr" anchorCtr="0" compatLnSpc="1">
+            <a:prstTxWarp prst="textNoShape">
+              <a:avLst/>
+            </a:prstTxWarp>
+            <a:spAutoFit/>
+          </a:bodyPr>
+          <a:lstStyle>
+            <a:lvl1pPr algn="l" defTabSz="914400" rtl="0" eaLnBrk="1" latinLnBrk="0" hangingPunct="1">
+              <a:lnSpc>
+                <a:spcPct val="90000"/>
+              </a:lnSpc>
+              <a:spcBef>
+                <a:spcPct val="0"/>
+              </a:spcBef>
+              <a:buNone/>
+              <a:defRPr sz="4400" kern="1200">
+                <a:solidFill>
+                  <a:schemeClr val="tx1"/>
+                </a:solidFill>
+                <a:latin typeface="+mj-lt"/>
+                <a:ea typeface="+mj-ea"/>
+                <a:cs typeface="+mj-cs"/>
+              </a:defRPr>
+            </a:lvl1pPr>
+          </a:lstStyle>
+          <a:p>
+            <a:pPr algn="ctr" eaLnBrk="0" fontAlgn="base" hangingPunct="0">
+              <a:lnSpc>
+                <a:spcPct val="100000"/>
+              </a:lnSpc>
+              <a:spcAft>
+                <a:spcPct val="0"/>
+              </a:spcAft>
+            </a:pPr>
+            <a:r>
+              <a:rPr lang="en-US" altLang="en-US" sz="3600" dirty="0">
+                <a:solidFill>
+                  <a:srgbClr val="1F2328"/>
+                </a:solidFill>
+                <a:latin typeface="var(--fontStack-monospace, ui-monospace, SFMono-Regular, SF Mono, Menlo, Consolas, Liberation Mono, monospace)"/>
+              </a:rPr>
+              <a:t>Are certain types of conflicts more likely to occur in water-scarce regions?</a:t>
+            </a:r>
+            <a:endParaRPr lang="en-US" altLang="en-US" sz="3600" dirty="0">
+              <a:latin typeface="Arial" panose="020B0604020202020204" pitchFamily="34" charset="0"/>
+            </a:endParaRPr>
+          </a:p>
+        </p:txBody>
+      </p:sp>
+    </p:spTree>
+    <p:extLst>
+      <p:ext uri="{BB962C8B-B14F-4D97-AF65-F5344CB8AC3E}">
+        <p14:creationId xmlns:p14="http://schemas.microsoft.com/office/powerpoint/2010/main" val="2243838733"/>
+      </p:ext>
+    </p:extLst>
+  </p:cSld>
+  <p:clrMapOvr>
+    <a:masterClrMapping/>
+  </p:clrMapOvr>
+</p:sld>
+</file>
+
+<file path=ppt/slides/slide12.xml><?xml version="1.0" encoding="utf-8"?>
+<p:sld xmlns:a="http://schemas.openxmlformats.org/drawingml/2006/main" xmlns:r="http://schemas.openxmlformats.org/officeDocument/2006/relationships" xmlns:p="http://schemas.openxmlformats.org/presentationml/2006/main">
+  <p:cSld>
+    <p:spTree>
+      <p:nvGrpSpPr>
+        <p:cNvPr id="1" name=""/>
+        <p:cNvGrpSpPr/>
+        <p:nvPr/>
+      </p:nvGrpSpPr>
+      <p:grpSpPr>
+        <a:xfrm>
+          <a:off x="0" y="0"/>
+          <a:ext cx="0" cy="0"/>
+          <a:chOff x="0" y="0"/>
+          <a:chExt cx="0" cy="0"/>
+        </a:xfrm>
+      </p:grpSpPr>
+      <p:sp>
+        <p:nvSpPr>
+          <p:cNvPr id="2" name="Title 1">
+            <a:extLst>
+              <a:ext uri="{FF2B5EF4-FFF2-40B4-BE49-F238E27FC236}">
+                <a16:creationId xmlns:a16="http://schemas.microsoft.com/office/drawing/2014/main" id="{67349E9F-F432-7F8D-F59D-3DE53F66345E}"/>
+              </a:ext>
+            </a:extLst>
+          </p:cNvPr>
+          <p:cNvSpPr>
+            <a:spLocks noGrp="1"/>
+          </p:cNvSpPr>
+          <p:nvPr>
+            <p:ph type="title"/>
+          </p:nvPr>
+        </p:nvSpPr>
+        <p:spPr/>
+        <p:txBody>
+          <a:bodyPr/>
+          <a:lstStyle/>
+          <a:p>
+            <a:endParaRPr lang="en-US"/>
+          </a:p>
+        </p:txBody>
+      </p:sp>
+      <p:pic>
+        <p:nvPicPr>
+          <p:cNvPr id="6" name="Content Placeholder 5" descr="A graph showing a line graph&#10;&#10;Description automatically generated with medium confidence">
+            <a:extLst>
+              <a:ext uri="{FF2B5EF4-FFF2-40B4-BE49-F238E27FC236}">
+                <a16:creationId xmlns:a16="http://schemas.microsoft.com/office/drawing/2014/main" id="{AFC9270E-B996-0953-E6D8-95AAC18EDDC7}"/>
+              </a:ext>
+            </a:extLst>
+          </p:cNvPr>
+          <p:cNvPicPr>
+            <a:picLocks noGrp="1" noChangeAspect="1"/>
+          </p:cNvPicPr>
+          <p:nvPr>
+            <p:ph idx="1"/>
+          </p:nvPr>
+        </p:nvPicPr>
+        <p:blipFill>
+          <a:blip r:embed="rId2">
+            <a:extLst>
+              <a:ext uri="{28A0092B-C50C-407E-A947-70E740481C1C}">
+                <a14:useLocalDpi xmlns:a14="http://schemas.microsoft.com/office/drawing/2010/main" val="0"/>
+              </a:ext>
+            </a:extLst>
+          </a:blip>
+          <a:stretch>
+            <a:fillRect/>
+          </a:stretch>
+        </p:blipFill>
+        <p:spPr>
+          <a:xfrm>
+            <a:off x="369788" y="2041990"/>
+            <a:ext cx="5403253" cy="3297618"/>
+          </a:xfrm>
+        </p:spPr>
+      </p:pic>
+      <p:sp>
+        <p:nvSpPr>
+          <p:cNvPr id="4" name="Rectangle 1">
+            <a:extLst>
+              <a:ext uri="{FF2B5EF4-FFF2-40B4-BE49-F238E27FC236}">
+                <a16:creationId xmlns:a16="http://schemas.microsoft.com/office/drawing/2014/main" id="{41F92137-EA5A-6566-E94E-1CB8F04644E0}"/>
+              </a:ext>
+            </a:extLst>
+          </p:cNvPr>
+          <p:cNvSpPr txBox="1">
+            <a:spLocks noChangeArrowheads="1"/>
+          </p:cNvSpPr>
+          <p:nvPr/>
+        </p:nvSpPr>
+        <p:spPr bwMode="auto">
+          <a:xfrm>
+            <a:off x="838200" y="473908"/>
+            <a:ext cx="10515600" cy="1107996"/>
+          </a:xfrm>
+          <a:prstGeom prst="rect">
+            <a:avLst/>
+          </a:prstGeom>
+          <a:solidFill>
+            <a:srgbClr val="FFFFFF"/>
+          </a:solidFill>
+          <a:ln>
+            <a:noFill/>
+          </a:ln>
+          <a:effectLst/>
+          <a:extLst>
+            <a:ext uri="{91240B29-F687-4F45-9708-019B960494DF}">
+              <a14:hiddenLine xmlns:a14="http://schemas.microsoft.com/office/drawing/2010/main" w="9525">
+                <a:solidFill>
+                  <a:schemeClr val="tx1"/>
+                </a:solidFill>
+                <a:miter lim="800000"/>
+                <a:headEnd/>
+                <a:tailEnd/>
+              </a14:hiddenLine>
+            </a:ext>
+            <a:ext uri="{AF507438-7753-43E0-B8FC-AC1667EBCBE1}">
+              <a14:hiddenEffects xmlns:a14="http://schemas.microsoft.com/office/drawing/2010/main">
+                <a:effectLst>
+                  <a:outerShdw dist="35921" dir="2700000" algn="ctr" rotWithShape="0">
+                    <a:schemeClr val="bg2"/>
+                  </a:outerShdw>
+                </a:effectLst>
+              </a14:hiddenEffects>
+            </a:ext>
+          </a:extLst>
+        </p:spPr>
+        <p:txBody>
+          <a:bodyPr vert="horz" wrap="square" lIns="91440" tIns="0" rIns="91440" bIns="0" numCol="1" rtlCol="0" anchor="ctr" anchorCtr="0" compatLnSpc="1">
+            <a:prstTxWarp prst="textNoShape">
+              <a:avLst/>
+            </a:prstTxWarp>
+            <a:spAutoFit/>
+          </a:bodyPr>
+          <a:lstStyle>
+            <a:lvl1pPr algn="l" defTabSz="914400" rtl="0" eaLnBrk="1" latinLnBrk="0" hangingPunct="1">
+              <a:lnSpc>
+                <a:spcPct val="90000"/>
+              </a:lnSpc>
+              <a:spcBef>
+                <a:spcPct val="0"/>
+              </a:spcBef>
+              <a:buNone/>
+              <a:defRPr sz="4400" kern="1200">
+                <a:solidFill>
+                  <a:schemeClr val="tx1"/>
+                </a:solidFill>
+                <a:latin typeface="+mj-lt"/>
+                <a:ea typeface="+mj-ea"/>
+                <a:cs typeface="+mj-cs"/>
+              </a:defRPr>
+            </a:lvl1pPr>
+          </a:lstStyle>
+          <a:p>
+            <a:pPr algn="ctr" eaLnBrk="0" fontAlgn="base" hangingPunct="0">
+              <a:lnSpc>
+                <a:spcPct val="100000"/>
+              </a:lnSpc>
+              <a:spcAft>
+                <a:spcPct val="0"/>
+              </a:spcAft>
+            </a:pPr>
+            <a:r>
+              <a:rPr lang="en-US" altLang="en-US" sz="3600" dirty="0">
+                <a:solidFill>
+                  <a:srgbClr val="1F2328"/>
+                </a:solidFill>
+                <a:latin typeface="var(--fontStack-monospace, ui-monospace, SFMono-Regular, SF Mono, Menlo, Consolas, Liberation Mono, monospace)"/>
+              </a:rPr>
+              <a:t>Are there other factors that affect the frequency of armed conflicts in water scarce areas?</a:t>
+            </a:r>
+            <a:endParaRPr lang="en-US" altLang="en-US" sz="3600" dirty="0">
+              <a:latin typeface="Arial" panose="020B0604020202020204" pitchFamily="34" charset="0"/>
+            </a:endParaRPr>
+          </a:p>
+        </p:txBody>
+      </p:sp>
+      <p:pic>
+        <p:nvPicPr>
+          <p:cNvPr id="8" name="Picture 7" descr="A graph showing the difference between water stress and global emissions&#10;&#10;Description automatically generated">
+            <a:extLst>
+              <a:ext uri="{FF2B5EF4-FFF2-40B4-BE49-F238E27FC236}">
+                <a16:creationId xmlns:a16="http://schemas.microsoft.com/office/drawing/2014/main" id="{DE091708-B4E8-D53B-F5A5-3FDE00EF00B1}"/>
+              </a:ext>
+            </a:extLst>
+          </p:cNvPr>
+          <p:cNvPicPr>
+            <a:picLocks noChangeAspect="1"/>
+          </p:cNvPicPr>
+          <p:nvPr/>
+        </p:nvPicPr>
+        <p:blipFill>
+          <a:blip r:embed="rId3">
+            <a:extLst>
+              <a:ext uri="{28A0092B-C50C-407E-A947-70E740481C1C}">
+                <a14:useLocalDpi xmlns:a14="http://schemas.microsoft.com/office/drawing/2010/main" val="0"/>
+              </a:ext>
+            </a:extLst>
+          </a:blip>
+          <a:stretch>
+            <a:fillRect/>
+          </a:stretch>
+        </p:blipFill>
+        <p:spPr>
+          <a:xfrm>
+            <a:off x="6030946" y="2041990"/>
+            <a:ext cx="5481911" cy="3297618"/>
+          </a:xfrm>
+          <a:prstGeom prst="rect">
+            <a:avLst/>
+          </a:prstGeom>
+        </p:spPr>
+      </p:pic>
+    </p:spTree>
+    <p:extLst>
+      <p:ext uri="{BB962C8B-B14F-4D97-AF65-F5344CB8AC3E}">
+        <p14:creationId xmlns:p14="http://schemas.microsoft.com/office/powerpoint/2010/main" val="3615632765"/>
+      </p:ext>
+    </p:extLst>
+  </p:cSld>
+  <p:clrMapOvr>
+    <a:masterClrMapping/>
+  </p:clrMapOvr>
+</p:sld>
+</file>
+
+<file path=ppt/slides/slide13.xml><?xml version="1.0" encoding="utf-8"?>
+<p:sld xmlns:a="http://schemas.openxmlformats.org/drawingml/2006/main" xmlns:r="http://schemas.openxmlformats.org/officeDocument/2006/relationships" xmlns:p="http://schemas.openxmlformats.org/presentationml/2006/main">
+  <p:cSld>
+    <p:spTree>
+      <p:nvGrpSpPr>
+        <p:cNvPr id="1" name=""/>
+        <p:cNvGrpSpPr/>
+        <p:nvPr/>
+      </p:nvGrpSpPr>
+      <p:grpSpPr>
+        <a:xfrm>
+          <a:off x="0" y="0"/>
+          <a:ext cx="0" cy="0"/>
+          <a:chOff x="0" y="0"/>
+          <a:chExt cx="0" cy="0"/>
+        </a:xfrm>
+      </p:grpSpPr>
+      <p:pic>
+        <p:nvPicPr>
+          <p:cNvPr id="5" name="Picture 4">
+            <a:extLst>
+              <a:ext uri="{FF2B5EF4-FFF2-40B4-BE49-F238E27FC236}">
+                <a16:creationId xmlns:a16="http://schemas.microsoft.com/office/drawing/2014/main" id="{B63360D9-B1EF-88F3-FEA8-005E39272152}"/>
+              </a:ext>
+            </a:extLst>
+          </p:cNvPr>
+          <p:cNvPicPr>
+            <a:picLocks noChangeAspect="1"/>
+          </p:cNvPicPr>
+          <p:nvPr/>
+        </p:nvPicPr>
+        <p:blipFill>
+          <a:blip r:embed="rId2"/>
+          <a:stretch>
+            <a:fillRect/>
+          </a:stretch>
+        </p:blipFill>
+        <p:spPr>
+          <a:xfrm>
+            <a:off x="0" y="0"/>
+            <a:ext cx="12027159" cy="6861309"/>
+          </a:xfrm>
+          <a:prstGeom prst="rect">
+            <a:avLst/>
+          </a:prstGeom>
+        </p:spPr>
+      </p:pic>
+    </p:spTree>
+    <p:extLst>
+      <p:ext uri="{BB962C8B-B14F-4D97-AF65-F5344CB8AC3E}">
+        <p14:creationId xmlns:p14="http://schemas.microsoft.com/office/powerpoint/2010/main" val="3778779866"/>
+      </p:ext>
+    </p:extLst>
+  </p:cSld>
+  <p:clrMapOvr>
+    <a:masterClrMapping/>
+  </p:clrMapOvr>
+</p:sld>
+</file>
+
+<file path=ppt/slides/slide14.xml><?xml version="1.0" encoding="utf-8"?>
+<p:sld xmlns:a="http://schemas.openxmlformats.org/drawingml/2006/main" xmlns:r="http://schemas.openxmlformats.org/officeDocument/2006/relationships" xmlns:p="http://schemas.openxmlformats.org/presentationml/2006/main">
+  <p:cSld>
+    <p:spTree>
+      <p:nvGrpSpPr>
+        <p:cNvPr id="1" name=""/>
+        <p:cNvGrpSpPr/>
+        <p:nvPr/>
+      </p:nvGrpSpPr>
+      <p:grpSpPr>
+        <a:xfrm>
+          <a:off x="0" y="0"/>
+          <a:ext cx="0" cy="0"/>
+          <a:chOff x="0" y="0"/>
+          <a:chExt cx="0" cy="0"/>
+        </a:xfrm>
+      </p:grpSpPr>
+      <p:pic>
+        <p:nvPicPr>
+          <p:cNvPr id="5" name="Picture 4">
+            <a:extLst>
+              <a:ext uri="{FF2B5EF4-FFF2-40B4-BE49-F238E27FC236}">
+                <a16:creationId xmlns:a16="http://schemas.microsoft.com/office/drawing/2014/main" id="{8D8E251B-3991-FBB5-FCE2-3938811CBB79}"/>
+              </a:ext>
+            </a:extLst>
+          </p:cNvPr>
+          <p:cNvPicPr>
+            <a:picLocks noChangeAspect="1"/>
+          </p:cNvPicPr>
+          <p:nvPr/>
+        </p:nvPicPr>
+        <p:blipFill>
+          <a:blip r:embed="rId2"/>
+          <a:stretch>
+            <a:fillRect/>
+          </a:stretch>
+        </p:blipFill>
+        <p:spPr>
+          <a:xfrm>
+            <a:off x="-1" y="0"/>
+            <a:ext cx="11972889" cy="6858000"/>
+          </a:xfrm>
+          <a:prstGeom prst="rect">
+            <a:avLst/>
+          </a:prstGeom>
+        </p:spPr>
+      </p:pic>
+    </p:spTree>
+    <p:extLst>
+      <p:ext uri="{BB962C8B-B14F-4D97-AF65-F5344CB8AC3E}">
+        <p14:creationId xmlns:p14="http://schemas.microsoft.com/office/powerpoint/2010/main" val="1028752856"/>
+      </p:ext>
+    </p:extLst>
+  </p:cSld>
+  <p:clrMapOvr>
+    <a:masterClrMapping/>
+  </p:clrMapOvr>
+</p:sld>
+</file>
+
+<file path=ppt/slides/slide15.xml><?xml version="1.0" encoding="utf-8"?>
+<p:sld xmlns:a="http://schemas.openxmlformats.org/drawingml/2006/main" xmlns:r="http://schemas.openxmlformats.org/officeDocument/2006/relationships" xmlns:p="http://schemas.openxmlformats.org/presentationml/2006/main">
+  <p:cSld>
+    <p:spTree>
+      <p:nvGrpSpPr>
+        <p:cNvPr id="1" name=""/>
+        <p:cNvGrpSpPr/>
+        <p:nvPr/>
+      </p:nvGrpSpPr>
+      <p:grpSpPr>
+        <a:xfrm>
+          <a:off x="0" y="0"/>
+          <a:ext cx="0" cy="0"/>
+          <a:chOff x="0" y="0"/>
+          <a:chExt cx="0" cy="0"/>
+        </a:xfrm>
+      </p:grpSpPr>
+      <p:pic>
+        <p:nvPicPr>
+          <p:cNvPr id="5" name="Picture 4">
+            <a:extLst>
+              <a:ext uri="{FF2B5EF4-FFF2-40B4-BE49-F238E27FC236}">
+                <a16:creationId xmlns:a16="http://schemas.microsoft.com/office/drawing/2014/main" id="{E71A84CA-42E3-A3E6-139C-690D56997A86}"/>
+              </a:ext>
+            </a:extLst>
+          </p:cNvPr>
+          <p:cNvPicPr>
+            <a:picLocks noChangeAspect="1"/>
+          </p:cNvPicPr>
+          <p:nvPr/>
+        </p:nvPicPr>
+        <p:blipFill>
+          <a:blip r:embed="rId2"/>
+          <a:stretch>
+            <a:fillRect/>
+          </a:stretch>
+        </p:blipFill>
+        <p:spPr>
+          <a:xfrm>
+            <a:off x="0" y="0"/>
+            <a:ext cx="11975123" cy="6858000"/>
+          </a:xfrm>
+          <a:prstGeom prst="rect">
+            <a:avLst/>
+          </a:prstGeom>
+        </p:spPr>
+      </p:pic>
+    </p:spTree>
+    <p:extLst>
+      <p:ext uri="{BB962C8B-B14F-4D97-AF65-F5344CB8AC3E}">
+        <p14:creationId xmlns:p14="http://schemas.microsoft.com/office/powerpoint/2010/main" val="3815287690"/>
+      </p:ext>
+    </p:extLst>
+  </p:cSld>
+  <p:clrMapOvr>
+    <a:masterClrMapping/>
+  </p:clrMapOvr>
+</p:sld>
+</file>
+
+<file path=ppt/slides/slide16.xml><?xml version="1.0" encoding="utf-8"?>
+<p:sld xmlns:a="http://schemas.openxmlformats.org/drawingml/2006/main" xmlns:r="http://schemas.openxmlformats.org/officeDocument/2006/relationships" xmlns:p="http://schemas.openxmlformats.org/presentationml/2006/main">
+  <p:cSld>
+    <p:spTree>
+      <p:nvGrpSpPr>
+        <p:cNvPr id="1" name=""/>
+        <p:cNvGrpSpPr/>
+        <p:nvPr/>
+      </p:nvGrpSpPr>
+      <p:grpSpPr>
+        <a:xfrm>
+          <a:off x="0" y="0"/>
+          <a:ext cx="0" cy="0"/>
+          <a:chOff x="0" y="0"/>
+          <a:chExt cx="0" cy="0"/>
+        </a:xfrm>
+      </p:grpSpPr>
       <p:pic>
         <p:nvPicPr>
           <p:cNvPr id="5" name="Picture 4">
@@ -3722,7 +4548,7 @@
 </p:sld>
 </file>
 
-<file path=ppt/slides/slide11.xml><?xml version="1.0" encoding="utf-8"?>
+<file path=ppt/slides/slide17.xml><?xml version="1.0" encoding="utf-8"?>
 <p:sld xmlns:a="http://schemas.openxmlformats.org/drawingml/2006/main" xmlns:r="http://schemas.openxmlformats.org/officeDocument/2006/relationships" xmlns:p="http://schemas.openxmlformats.org/presentationml/2006/main">
   <p:cSld>
     <p:spTree>
@@ -3782,7 +4608,7 @@
 </p:sld>
 </file>
 
-<file path=ppt/slides/slide12.xml><?xml version="1.0" encoding="utf-8"?>
+<file path=ppt/slides/slide18.xml><?xml version="1.0" encoding="utf-8"?>
 <p:sld xmlns:a="http://schemas.openxmlformats.org/drawingml/2006/main" xmlns:r="http://schemas.openxmlformats.org/officeDocument/2006/relationships" xmlns:p="http://schemas.openxmlformats.org/presentationml/2006/main">
   <p:cSld>
     <p:spTree>
@@ -3842,7 +4668,7 @@
 </p:sld>
 </file>
 
-<file path=ppt/slides/slide13.xml><?xml version="1.0" encoding="utf-8"?>
+<file path=ppt/slides/slide19.xml><?xml version="1.0" encoding="utf-8"?>
 <p:sld xmlns:a="http://schemas.openxmlformats.org/drawingml/2006/main" xmlns:r="http://schemas.openxmlformats.org/officeDocument/2006/relationships" xmlns:p="http://schemas.openxmlformats.org/presentationml/2006/main">
   <p:cSld>
     <p:spTree>
@@ -3921,6 +4747,958 @@
       </p:grpSpPr>
       <p:sp>
         <p:nvSpPr>
+          <p:cNvPr id="2" name="Title 1">
+            <a:extLst>
+              <a:ext uri="{FF2B5EF4-FFF2-40B4-BE49-F238E27FC236}">
+                <a16:creationId xmlns:a16="http://schemas.microsoft.com/office/drawing/2014/main" id="{A61FFC95-1140-0F86-ACCA-274B4355907D}"/>
+              </a:ext>
+            </a:extLst>
+          </p:cNvPr>
+          <p:cNvSpPr>
+            <a:spLocks noGrp="1"/>
+          </p:cNvSpPr>
+          <p:nvPr>
+            <p:ph type="title"/>
+          </p:nvPr>
+        </p:nvSpPr>
+        <p:spPr/>
+        <p:txBody>
+          <a:bodyPr>
+            <a:normAutofit/>
+          </a:bodyPr>
+          <a:lstStyle/>
+          <a:p>
+            <a:r>
+              <a:rPr lang="en-US" dirty="0"/>
+              <a:t>Water Scarcity and Global Conflict Analysis</a:t>
+            </a:r>
+          </a:p>
+        </p:txBody>
+      </p:sp>
+      <p:sp>
+        <p:nvSpPr>
+          <p:cNvPr id="3" name="Content Placeholder 2">
+            <a:extLst>
+              <a:ext uri="{FF2B5EF4-FFF2-40B4-BE49-F238E27FC236}">
+                <a16:creationId xmlns:a16="http://schemas.microsoft.com/office/drawing/2014/main" id="{45C9B0B9-AAE2-C09F-6B6F-A179F8971C60}"/>
+              </a:ext>
+            </a:extLst>
+          </p:cNvPr>
+          <p:cNvSpPr>
+            <a:spLocks noGrp="1"/>
+          </p:cNvSpPr>
+          <p:nvPr>
+            <p:ph idx="1"/>
+          </p:nvPr>
+        </p:nvSpPr>
+        <p:spPr/>
+        <p:txBody>
+          <a:bodyPr/>
+          <a:lstStyle/>
+          <a:p>
+            <a:pPr marL="0" indent="0">
+              <a:buNone/>
+            </a:pPr>
+            <a:r>
+              <a:rPr lang="en-US" sz="2800" dirty="0"/>
+              <a:t>Explore the complex relationship between armed conflict and water scarcity</a:t>
+            </a:r>
+            <a:r>
+              <a:rPr lang="en-US" dirty="0"/>
+              <a:t> by</a:t>
+            </a:r>
+            <a:r>
+              <a:rPr lang="en-US" sz="2800" dirty="0"/>
+              <a:t> </a:t>
+            </a:r>
+            <a:r>
+              <a:rPr lang="en-US" dirty="0"/>
+              <a:t>leveraging </a:t>
+            </a:r>
+            <a:r>
+              <a:rPr lang="en-US" sz="2800" dirty="0"/>
+              <a:t>geospatial and environmental data to assess how water scarcity influences the occurrence and intensity of conflicts.</a:t>
+            </a:r>
+          </a:p>
+          <a:p>
+            <a:pPr marL="0" indent="0">
+              <a:buNone/>
+            </a:pPr>
+            <a:endParaRPr lang="en-US" dirty="0"/>
+          </a:p>
+          <a:p>
+            <a:pPr marL="0" indent="0">
+              <a:buNone/>
+            </a:pPr>
+            <a:r>
+              <a:rPr lang="en-US" b="1" i="1" dirty="0"/>
+              <a:t>Hypothesis: </a:t>
+            </a:r>
+            <a:r>
+              <a:rPr lang="en-US" dirty="0"/>
+              <a:t>Water is one of the most critical resources on the planet for human survival. When the demand for critical resources, such as water, exceeds the supply the number of conflicts increases.</a:t>
+            </a:r>
+          </a:p>
+        </p:txBody>
+      </p:sp>
+    </p:spTree>
+    <p:extLst>
+      <p:ext uri="{BB962C8B-B14F-4D97-AF65-F5344CB8AC3E}">
+        <p14:creationId xmlns:p14="http://schemas.microsoft.com/office/powerpoint/2010/main" val="2963803295"/>
+      </p:ext>
+    </p:extLst>
+  </p:cSld>
+  <p:clrMapOvr>
+    <a:masterClrMapping/>
+  </p:clrMapOvr>
+</p:sld>
+</file>
+
+<file path=ppt/slides/slide3.xml><?xml version="1.0" encoding="utf-8"?>
+<p:sld xmlns:a="http://schemas.openxmlformats.org/drawingml/2006/main" xmlns:r="http://schemas.openxmlformats.org/officeDocument/2006/relationships" xmlns:p="http://schemas.openxmlformats.org/presentationml/2006/main">
+  <p:cSld>
+    <p:spTree>
+      <p:nvGrpSpPr>
+        <p:cNvPr id="1" name=""/>
+        <p:cNvGrpSpPr/>
+        <p:nvPr/>
+      </p:nvGrpSpPr>
+      <p:grpSpPr>
+        <a:xfrm>
+          <a:off x="0" y="0"/>
+          <a:ext cx="0" cy="0"/>
+          <a:chOff x="0" y="0"/>
+          <a:chExt cx="0" cy="0"/>
+        </a:xfrm>
+      </p:grpSpPr>
+      <p:sp>
+        <p:nvSpPr>
+          <p:cNvPr id="2" name="Title 1">
+            <a:extLst>
+              <a:ext uri="{FF2B5EF4-FFF2-40B4-BE49-F238E27FC236}">
+                <a16:creationId xmlns:a16="http://schemas.microsoft.com/office/drawing/2014/main" id="{A5BCBECB-5BDC-13AF-270A-04A9950C2712}"/>
+              </a:ext>
+            </a:extLst>
+          </p:cNvPr>
+          <p:cNvSpPr>
+            <a:spLocks noGrp="1"/>
+          </p:cNvSpPr>
+          <p:nvPr>
+            <p:ph type="title"/>
+          </p:nvPr>
+        </p:nvSpPr>
+        <p:spPr>
+          <a:xfrm>
+            <a:off x="838200" y="365126"/>
+            <a:ext cx="10515600" cy="893520"/>
+          </a:xfrm>
+        </p:spPr>
+        <p:txBody>
+          <a:bodyPr/>
+          <a:lstStyle/>
+          <a:p>
+            <a:r>
+              <a:rPr lang="en-US" dirty="0"/>
+              <a:t>Why explore Water?</a:t>
+            </a:r>
+          </a:p>
+        </p:txBody>
+      </p:sp>
+      <p:sp>
+        <p:nvSpPr>
+          <p:cNvPr id="3" name="Content Placeholder 2">
+            <a:extLst>
+              <a:ext uri="{FF2B5EF4-FFF2-40B4-BE49-F238E27FC236}">
+                <a16:creationId xmlns:a16="http://schemas.microsoft.com/office/drawing/2014/main" id="{2FDA98A1-5223-86E8-D1CB-05B98E13BDD9}"/>
+              </a:ext>
+            </a:extLst>
+          </p:cNvPr>
+          <p:cNvSpPr>
+            <a:spLocks noGrp="1"/>
+          </p:cNvSpPr>
+          <p:nvPr>
+            <p:ph idx="1"/>
+          </p:nvPr>
+        </p:nvSpPr>
+        <p:spPr>
+          <a:xfrm>
+            <a:off x="838200" y="1258646"/>
+            <a:ext cx="10515600" cy="1844935"/>
+          </a:xfrm>
+        </p:spPr>
+        <p:txBody>
+          <a:bodyPr>
+            <a:normAutofit/>
+          </a:bodyPr>
+          <a:lstStyle/>
+          <a:p>
+            <a:r>
+              <a:rPr lang="en-US" sz="2400" dirty="0"/>
+              <a:t>Water is critical to human survival.</a:t>
+            </a:r>
+          </a:p>
+          <a:p>
+            <a:r>
+              <a:rPr lang="en-US" sz="2400" dirty="0"/>
+              <a:t>Only 3% of the world's water is freshwater, and only 0.5% is available for human use. </a:t>
+            </a:r>
+          </a:p>
+          <a:p>
+            <a:r>
+              <a:rPr lang="en-US" sz="2400" dirty="0"/>
+              <a:t>Water is inherently scarce, which could increase conflict.</a:t>
+            </a:r>
+          </a:p>
+        </p:txBody>
+      </p:sp>
+      <p:pic>
+        <p:nvPicPr>
+          <p:cNvPr id="11" name="Picture 10">
+            <a:extLst>
+              <a:ext uri="{FF2B5EF4-FFF2-40B4-BE49-F238E27FC236}">
+                <a16:creationId xmlns:a16="http://schemas.microsoft.com/office/drawing/2014/main" id="{627D43AD-815C-6A45-CD3D-B5E9223889C5}"/>
+              </a:ext>
+            </a:extLst>
+          </p:cNvPr>
+          <p:cNvPicPr>
+            <a:picLocks noChangeAspect="1"/>
+          </p:cNvPicPr>
+          <p:nvPr/>
+        </p:nvPicPr>
+        <p:blipFill rotWithShape="1">
+          <a:blip r:embed="rId2"/>
+          <a:srcRect l="11645" t="5274" r="12810" b="9313"/>
+          <a:stretch/>
+        </p:blipFill>
+        <p:spPr>
+          <a:xfrm>
+            <a:off x="6206266" y="3103580"/>
+            <a:ext cx="4421393" cy="3754420"/>
+          </a:xfrm>
+          <a:prstGeom prst="rect">
+            <a:avLst/>
+          </a:prstGeom>
+        </p:spPr>
+      </p:pic>
+      <p:pic>
+        <p:nvPicPr>
+          <p:cNvPr id="15" name="Picture 14">
+            <a:extLst>
+              <a:ext uri="{FF2B5EF4-FFF2-40B4-BE49-F238E27FC236}">
+                <a16:creationId xmlns:a16="http://schemas.microsoft.com/office/drawing/2014/main" id="{1E8E3003-DD7F-807D-BF2B-72A1E5CC7E7B}"/>
+              </a:ext>
+            </a:extLst>
+          </p:cNvPr>
+          <p:cNvPicPr>
+            <a:picLocks noChangeAspect="1"/>
+          </p:cNvPicPr>
+          <p:nvPr/>
+        </p:nvPicPr>
+        <p:blipFill rotWithShape="1">
+          <a:blip r:embed="rId3"/>
+          <a:srcRect l="6683" t="4785" r="8582" b="9802"/>
+          <a:stretch/>
+        </p:blipFill>
+        <p:spPr>
+          <a:xfrm>
+            <a:off x="720762" y="3103580"/>
+            <a:ext cx="4959276" cy="3754420"/>
+          </a:xfrm>
+          <a:prstGeom prst="rect">
+            <a:avLst/>
+          </a:prstGeom>
+        </p:spPr>
+      </p:pic>
+    </p:spTree>
+    <p:extLst>
+      <p:ext uri="{BB962C8B-B14F-4D97-AF65-F5344CB8AC3E}">
+        <p14:creationId xmlns:p14="http://schemas.microsoft.com/office/powerpoint/2010/main" val="3916745566"/>
+      </p:ext>
+    </p:extLst>
+  </p:cSld>
+  <p:clrMapOvr>
+    <a:masterClrMapping/>
+  </p:clrMapOvr>
+</p:sld>
+</file>
+
+<file path=ppt/slides/slide4.xml><?xml version="1.0" encoding="utf-8"?>
+<p:sld xmlns:a="http://schemas.openxmlformats.org/drawingml/2006/main" xmlns:r="http://schemas.openxmlformats.org/officeDocument/2006/relationships" xmlns:p="http://schemas.openxmlformats.org/presentationml/2006/main">
+  <p:cSld>
+    <p:spTree>
+      <p:nvGrpSpPr>
+        <p:cNvPr id="1" name=""/>
+        <p:cNvGrpSpPr/>
+        <p:nvPr/>
+      </p:nvGrpSpPr>
+      <p:grpSpPr>
+        <a:xfrm>
+          <a:off x="0" y="0"/>
+          <a:ext cx="0" cy="0"/>
+          <a:chOff x="0" y="0"/>
+          <a:chExt cx="0" cy="0"/>
+        </a:xfrm>
+      </p:grpSpPr>
+      <p:sp>
+        <p:nvSpPr>
+          <p:cNvPr id="2" name="Title 1">
+            <a:extLst>
+              <a:ext uri="{FF2B5EF4-FFF2-40B4-BE49-F238E27FC236}">
+                <a16:creationId xmlns:a16="http://schemas.microsoft.com/office/drawing/2014/main" id="{7D70FF74-9DA5-A85A-CCEB-2153BE29D340}"/>
+              </a:ext>
+            </a:extLst>
+          </p:cNvPr>
+          <p:cNvSpPr>
+            <a:spLocks noGrp="1"/>
+          </p:cNvSpPr>
+          <p:nvPr>
+            <p:ph type="title"/>
+          </p:nvPr>
+        </p:nvSpPr>
+        <p:spPr>
+          <a:xfrm>
+            <a:off x="838200" y="365126"/>
+            <a:ext cx="10515600" cy="595927"/>
+          </a:xfrm>
+        </p:spPr>
+        <p:txBody>
+          <a:bodyPr>
+            <a:normAutofit fontScale="90000"/>
+          </a:bodyPr>
+          <a:lstStyle/>
+          <a:p>
+            <a:r>
+              <a:rPr lang="en-US" dirty="0"/>
+              <a:t>Project Summary</a:t>
+            </a:r>
+          </a:p>
+        </p:txBody>
+      </p:sp>
+      <p:sp>
+        <p:nvSpPr>
+          <p:cNvPr id="3" name="Content Placeholder 2">
+            <a:extLst>
+              <a:ext uri="{FF2B5EF4-FFF2-40B4-BE49-F238E27FC236}">
+                <a16:creationId xmlns:a16="http://schemas.microsoft.com/office/drawing/2014/main" id="{104E5265-19D4-E82F-1752-E6FBA3A28F55}"/>
+              </a:ext>
+            </a:extLst>
+          </p:cNvPr>
+          <p:cNvSpPr>
+            <a:spLocks noGrp="1"/>
+          </p:cNvSpPr>
+          <p:nvPr>
+            <p:ph idx="1"/>
+          </p:nvPr>
+        </p:nvSpPr>
+        <p:spPr>
+          <a:xfrm>
+            <a:off x="838200" y="998374"/>
+            <a:ext cx="10515600" cy="5719666"/>
+          </a:xfrm>
+        </p:spPr>
+        <p:txBody>
+          <a:bodyPr>
+            <a:normAutofit fontScale="92500"/>
+          </a:bodyPr>
+          <a:lstStyle/>
+          <a:p>
+            <a:pPr marL="0" indent="0">
+              <a:buNone/>
+            </a:pPr>
+            <a:r>
+              <a:rPr lang="en-US" dirty="0"/>
+              <a:t>Task 1: Data Collection</a:t>
+            </a:r>
+          </a:p>
+          <a:p>
+            <a:pPr marL="0" indent="0">
+              <a:buNone/>
+            </a:pPr>
+            <a:r>
+              <a:rPr lang="en-US" dirty="0"/>
+              <a:t>Task 2: Data Cleanup</a:t>
+            </a:r>
+          </a:p>
+          <a:p>
+            <a:pPr marL="0" indent="0">
+              <a:buNone/>
+            </a:pPr>
+            <a:r>
+              <a:rPr lang="en-US" dirty="0"/>
+              <a:t>Task 3: Data Integration</a:t>
+            </a:r>
+          </a:p>
+          <a:p>
+            <a:pPr marL="0" indent="0">
+              <a:buNone/>
+            </a:pPr>
+            <a:r>
+              <a:rPr lang="en-US" dirty="0"/>
+              <a:t>Task 4: Analysis</a:t>
+            </a:r>
+          </a:p>
+          <a:p>
+            <a:pPr marL="0" indent="0">
+              <a:buNone/>
+            </a:pPr>
+            <a:r>
+              <a:rPr lang="en-US" dirty="0"/>
+              <a:t>Task 5: Visualization</a:t>
+            </a:r>
+          </a:p>
+          <a:p>
+            <a:pPr marL="0" indent="0">
+              <a:buNone/>
+            </a:pPr>
+            <a:r>
+              <a:rPr lang="en-US" dirty="0"/>
+              <a:t>Topics</a:t>
+            </a:r>
+          </a:p>
+          <a:p>
+            <a:pPr marL="914400" lvl="1" indent="-457200">
+              <a:buFont typeface="+mj-lt"/>
+              <a:buAutoNum type="arabicPeriod"/>
+            </a:pPr>
+            <a:r>
+              <a:rPr lang="en-US" altLang="en-US" dirty="0">
+                <a:solidFill>
+                  <a:srgbClr val="1F2328"/>
+                </a:solidFill>
+                <a:latin typeface="var(--fontStack-monospace, ui-monospace, SFMono-Regular, SF Mono, Menlo, Consolas, Liberation Mono, monospace)"/>
+              </a:rPr>
+              <a:t>D</a:t>
+            </a:r>
+            <a:r>
+              <a:rPr kumimoji="0" lang="en-US" altLang="en-US" sz="2400" b="0" i="0" u="none" strike="noStrike" cap="none" normalizeH="0" baseline="0" dirty="0">
+                <a:ln>
+                  <a:noFill/>
+                </a:ln>
+                <a:solidFill>
+                  <a:srgbClr val="1F2328"/>
+                </a:solidFill>
+                <a:effectLst/>
+                <a:latin typeface="var(--fontStack-monospace, ui-monospace, SFMono-Regular, SF Mono, Menlo, Consolas, Liberation Mono, monospace)"/>
+              </a:rPr>
+              <a:t>oes water scarcity correlate with frequency and intensity of armed conflicts?</a:t>
+            </a:r>
+            <a:r>
+              <a:rPr kumimoji="0" lang="en-US" altLang="en-US" sz="2400" b="0" i="0" u="none" strike="noStrike" cap="none" normalizeH="0" baseline="0" dirty="0">
+                <a:ln>
+                  <a:noFill/>
+                </a:ln>
+                <a:solidFill>
+                  <a:schemeClr val="tx1"/>
+                </a:solidFill>
+                <a:effectLst/>
+              </a:rPr>
+              <a:t> </a:t>
+            </a:r>
+          </a:p>
+          <a:p>
+            <a:pPr marL="914400" lvl="1" indent="-457200">
+              <a:buFont typeface="+mj-lt"/>
+              <a:buAutoNum type="arabicPeriod"/>
+            </a:pPr>
+            <a:r>
+              <a:rPr lang="en-US" altLang="en-US" sz="2400" dirty="0">
+                <a:solidFill>
+                  <a:srgbClr val="1F2328"/>
+                </a:solidFill>
+                <a:latin typeface="var(--fontStack-monospace, ui-monospace, SFMono-Regular, SF Mono, Menlo, Consolas, Liberation Mono, monospace)"/>
+              </a:rPr>
+              <a:t>What are the geographical patterns of conflict relative to water scarcity?</a:t>
+            </a:r>
+            <a:endParaRPr lang="en-US" altLang="en-US" sz="2400" dirty="0">
+              <a:latin typeface="Arial" panose="020B0604020202020204" pitchFamily="34" charset="0"/>
+            </a:endParaRPr>
+          </a:p>
+          <a:p>
+            <a:pPr marL="914400" lvl="1" indent="-457200">
+              <a:buFont typeface="+mj-lt"/>
+              <a:buAutoNum type="arabicPeriod"/>
+            </a:pPr>
+            <a:r>
+              <a:rPr lang="en-US" altLang="en-US" sz="2400" dirty="0">
+                <a:solidFill>
+                  <a:srgbClr val="1F2328"/>
+                </a:solidFill>
+                <a:latin typeface="var(--fontStack-monospace, ui-monospace, SFMono-Regular, SF Mono, Menlo, Consolas, Liberation Mono, monospace)"/>
+              </a:rPr>
+              <a:t>Can changes in water availability predict increases in conflict events?</a:t>
+            </a:r>
+            <a:endParaRPr lang="en-US" altLang="en-US" sz="2400" dirty="0">
+              <a:latin typeface="Arial" panose="020B0604020202020204" pitchFamily="34" charset="0"/>
+            </a:endParaRPr>
+          </a:p>
+          <a:p>
+            <a:pPr marL="914400" lvl="1" indent="-457200">
+              <a:buFont typeface="+mj-lt"/>
+              <a:buAutoNum type="arabicPeriod"/>
+            </a:pPr>
+            <a:r>
+              <a:rPr lang="en-US" altLang="en-US" sz="2400" dirty="0">
+                <a:solidFill>
+                  <a:srgbClr val="1F2328"/>
+                </a:solidFill>
+                <a:latin typeface="var(--fontStack-monospace, ui-monospace, SFMono-Regular, SF Mono, Menlo, Consolas, Liberation Mono, monospace)"/>
+              </a:rPr>
+              <a:t>Are certain types of conflicts more likely to occur in water-scarce regions?</a:t>
+            </a:r>
+          </a:p>
+          <a:p>
+            <a:pPr marL="914400" lvl="1" indent="-457200">
+              <a:buFont typeface="+mj-lt"/>
+              <a:buAutoNum type="arabicPeriod"/>
+            </a:pPr>
+            <a:r>
+              <a:rPr lang="en-US" altLang="en-US" sz="2400" dirty="0">
+                <a:solidFill>
+                  <a:srgbClr val="1F2328"/>
+                </a:solidFill>
+                <a:latin typeface="var(--fontStack-monospace, ui-monospace, SFMono-Regular, SF Mono, Menlo, Consolas, Liberation Mono, monospace)"/>
+              </a:rPr>
+              <a:t>Are there other factors that affect the frequency of armed conflicts in water scarce areas?</a:t>
+            </a:r>
+          </a:p>
+          <a:p>
+            <a:pPr lvl="2"/>
+            <a:r>
+              <a:rPr lang="en-US" altLang="en-US" dirty="0">
+                <a:solidFill>
+                  <a:srgbClr val="1F2328"/>
+                </a:solidFill>
+                <a:latin typeface="var(--fontStack-monospace, ui-monospace, SFMono-Regular, SF Mono, Menlo, Consolas, Liberation Mono, monospace)"/>
+              </a:rPr>
+              <a:t>Sociopolitical</a:t>
+            </a:r>
+          </a:p>
+          <a:p>
+            <a:pPr lvl="2"/>
+            <a:r>
+              <a:rPr lang="en-US" altLang="en-US" dirty="0">
+                <a:solidFill>
+                  <a:srgbClr val="1F2328"/>
+                </a:solidFill>
+                <a:latin typeface="var(--fontStack-monospace, ui-monospace, SFMono-Regular, SF Mono, Menlo, Consolas, Liberation Mono, monospace)"/>
+              </a:rPr>
+              <a:t>Geographical</a:t>
+            </a:r>
+            <a:endParaRPr lang="en-US" altLang="en-US" dirty="0">
+              <a:latin typeface="Arial" panose="020B0604020202020204" pitchFamily="34" charset="0"/>
+            </a:endParaRPr>
+          </a:p>
+          <a:p>
+            <a:pPr lvl="1"/>
+            <a:endParaRPr lang="en-US" dirty="0"/>
+          </a:p>
+        </p:txBody>
+      </p:sp>
+    </p:spTree>
+    <p:extLst>
+      <p:ext uri="{BB962C8B-B14F-4D97-AF65-F5344CB8AC3E}">
+        <p14:creationId xmlns:p14="http://schemas.microsoft.com/office/powerpoint/2010/main" val="254239340"/>
+      </p:ext>
+    </p:extLst>
+  </p:cSld>
+  <p:clrMapOvr>
+    <a:masterClrMapping/>
+  </p:clrMapOvr>
+</p:sld>
+</file>
+
+<file path=ppt/slides/slide5.xml><?xml version="1.0" encoding="utf-8"?>
+<p:sld xmlns:a="http://schemas.openxmlformats.org/drawingml/2006/main" xmlns:r="http://schemas.openxmlformats.org/officeDocument/2006/relationships" xmlns:p="http://schemas.openxmlformats.org/presentationml/2006/main">
+  <p:cSld>
+    <p:spTree>
+      <p:nvGrpSpPr>
+        <p:cNvPr id="1" name=""/>
+        <p:cNvGrpSpPr/>
+        <p:nvPr/>
+      </p:nvGrpSpPr>
+      <p:grpSpPr>
+        <a:xfrm>
+          <a:off x="0" y="0"/>
+          <a:ext cx="0" cy="0"/>
+          <a:chOff x="0" y="0"/>
+          <a:chExt cx="0" cy="0"/>
+        </a:xfrm>
+      </p:grpSpPr>
+      <p:sp>
+        <p:nvSpPr>
+          <p:cNvPr id="2" name="Title 1">
+            <a:extLst>
+              <a:ext uri="{FF2B5EF4-FFF2-40B4-BE49-F238E27FC236}">
+                <a16:creationId xmlns:a16="http://schemas.microsoft.com/office/drawing/2014/main" id="{2215DCAC-3F53-D1CF-E7CF-3FA366DA9FCB}"/>
+              </a:ext>
+            </a:extLst>
+          </p:cNvPr>
+          <p:cNvSpPr>
+            <a:spLocks noGrp="1"/>
+          </p:cNvSpPr>
+          <p:nvPr>
+            <p:ph type="title"/>
+          </p:nvPr>
+        </p:nvSpPr>
+        <p:spPr/>
+        <p:txBody>
+          <a:bodyPr/>
+          <a:lstStyle/>
+          <a:p>
+            <a:r>
+              <a:rPr lang="en-US" dirty="0"/>
+              <a:t>Task 1: Data Collection</a:t>
+            </a:r>
+          </a:p>
+        </p:txBody>
+      </p:sp>
+      <p:sp>
+        <p:nvSpPr>
+          <p:cNvPr id="3" name="Content Placeholder 2">
+            <a:extLst>
+              <a:ext uri="{FF2B5EF4-FFF2-40B4-BE49-F238E27FC236}">
+                <a16:creationId xmlns:a16="http://schemas.microsoft.com/office/drawing/2014/main" id="{FDDD19BF-AC42-8D7E-20D9-68D1D057CB66}"/>
+              </a:ext>
+            </a:extLst>
+          </p:cNvPr>
+          <p:cNvSpPr>
+            <a:spLocks noGrp="1"/>
+          </p:cNvSpPr>
+          <p:nvPr>
+            <p:ph idx="1"/>
+          </p:nvPr>
+        </p:nvSpPr>
+        <p:spPr/>
+        <p:txBody>
+          <a:bodyPr>
+            <a:normAutofit/>
+          </a:bodyPr>
+          <a:lstStyle/>
+          <a:p>
+            <a:r>
+              <a:rPr lang="en-US" dirty="0">
+                <a:hlinkClick r:id="rId2"/>
+              </a:rPr>
+              <a:t>Bureau of Reclamation</a:t>
+            </a:r>
+            <a:r>
+              <a:rPr lang="en-US" dirty="0"/>
+              <a:t>: Global Water</a:t>
+            </a:r>
+            <a:endParaRPr lang="en-US" dirty="0">
+              <a:hlinkClick r:id="rId3"/>
+            </a:endParaRPr>
+          </a:p>
+          <a:p>
+            <a:r>
+              <a:rPr lang="en-US" dirty="0">
+                <a:hlinkClick r:id="rId3"/>
+              </a:rPr>
+              <a:t>Food and Agriculture Organization (FAO)</a:t>
+            </a:r>
+            <a:r>
+              <a:rPr lang="en-US" dirty="0"/>
+              <a:t>: Water Stress</a:t>
+            </a:r>
+          </a:p>
+          <a:p>
+            <a:r>
+              <a:rPr lang="en-US" dirty="0">
+                <a:hlinkClick r:id="rId4"/>
+              </a:rPr>
+              <a:t>University of Alabama</a:t>
+            </a:r>
+            <a:r>
+              <a:rPr lang="en-US" dirty="0"/>
+              <a:t>: Militarized Events</a:t>
+            </a:r>
+          </a:p>
+          <a:p>
+            <a:r>
+              <a:rPr lang="en-US" dirty="0">
+                <a:hlinkClick r:id="rId5"/>
+              </a:rPr>
+              <a:t>Correlates of War (COW)</a:t>
+            </a:r>
+            <a:r>
+              <a:rPr lang="en-US" dirty="0"/>
+              <a:t>: Countries</a:t>
+            </a:r>
+          </a:p>
+          <a:p>
+            <a:r>
+              <a:rPr lang="en-US" dirty="0">
+                <a:hlinkClick r:id="rId6"/>
+              </a:rPr>
+              <a:t>GitHub</a:t>
+            </a:r>
+            <a:r>
+              <a:rPr lang="en-US" dirty="0"/>
+              <a:t>: Regions &amp; Sub-Regions</a:t>
+            </a:r>
+          </a:p>
+          <a:p>
+            <a:r>
+              <a:rPr lang="en-US" dirty="0">
+                <a:hlinkClick r:id="rId7"/>
+              </a:rPr>
+              <a:t>World Bank Group</a:t>
+            </a:r>
+            <a:r>
+              <a:rPr lang="en-US" dirty="0"/>
+              <a:t>: Political Stability, Precipitation, Freshwater</a:t>
+            </a:r>
+          </a:p>
+          <a:p>
+            <a:r>
+              <a:rPr lang="en-US" dirty="0">
+                <a:hlinkClick r:id="rId8"/>
+              </a:rPr>
+              <a:t>International Monetary Fund</a:t>
+            </a:r>
+            <a:r>
+              <a:rPr lang="en-US" dirty="0"/>
+              <a:t>: Surface Temperature</a:t>
+            </a:r>
+          </a:p>
+        </p:txBody>
+      </p:sp>
+    </p:spTree>
+    <p:extLst>
+      <p:ext uri="{BB962C8B-B14F-4D97-AF65-F5344CB8AC3E}">
+        <p14:creationId xmlns:p14="http://schemas.microsoft.com/office/powerpoint/2010/main" val="4116476774"/>
+      </p:ext>
+    </p:extLst>
+  </p:cSld>
+  <p:clrMapOvr>
+    <a:masterClrMapping/>
+  </p:clrMapOvr>
+</p:sld>
+</file>
+
+<file path=ppt/slides/slide6.xml><?xml version="1.0" encoding="utf-8"?>
+<p:sld xmlns:a="http://schemas.openxmlformats.org/drawingml/2006/main" xmlns:r="http://schemas.openxmlformats.org/officeDocument/2006/relationships" xmlns:p="http://schemas.openxmlformats.org/presentationml/2006/main">
+  <p:cSld>
+    <p:spTree>
+      <p:nvGrpSpPr>
+        <p:cNvPr id="1" name=""/>
+        <p:cNvGrpSpPr/>
+        <p:nvPr/>
+      </p:nvGrpSpPr>
+      <p:grpSpPr>
+        <a:xfrm>
+          <a:off x="0" y="0"/>
+          <a:ext cx="0" cy="0"/>
+          <a:chOff x="0" y="0"/>
+          <a:chExt cx="0" cy="0"/>
+        </a:xfrm>
+      </p:grpSpPr>
+      <p:sp>
+        <p:nvSpPr>
+          <p:cNvPr id="2" name="Title 1">
+            <a:extLst>
+              <a:ext uri="{FF2B5EF4-FFF2-40B4-BE49-F238E27FC236}">
+                <a16:creationId xmlns:a16="http://schemas.microsoft.com/office/drawing/2014/main" id="{2215DCAC-3F53-D1CF-E7CF-3FA366DA9FCB}"/>
+              </a:ext>
+            </a:extLst>
+          </p:cNvPr>
+          <p:cNvSpPr>
+            <a:spLocks noGrp="1"/>
+          </p:cNvSpPr>
+          <p:nvPr>
+            <p:ph type="title"/>
+          </p:nvPr>
+        </p:nvSpPr>
+        <p:spPr/>
+        <p:txBody>
+          <a:bodyPr/>
+          <a:lstStyle/>
+          <a:p>
+            <a:r>
+              <a:rPr lang="en-US" dirty="0"/>
+              <a:t>Task 2: Data Cleanup</a:t>
+            </a:r>
+          </a:p>
+        </p:txBody>
+      </p:sp>
+      <p:sp>
+        <p:nvSpPr>
+          <p:cNvPr id="3" name="Content Placeholder 2">
+            <a:extLst>
+              <a:ext uri="{FF2B5EF4-FFF2-40B4-BE49-F238E27FC236}">
+                <a16:creationId xmlns:a16="http://schemas.microsoft.com/office/drawing/2014/main" id="{FDDD19BF-AC42-8D7E-20D9-68D1D057CB66}"/>
+              </a:ext>
+            </a:extLst>
+          </p:cNvPr>
+          <p:cNvSpPr>
+            <a:spLocks noGrp="1"/>
+          </p:cNvSpPr>
+          <p:nvPr>
+            <p:ph idx="1"/>
+          </p:nvPr>
+        </p:nvSpPr>
+        <p:spPr/>
+        <p:txBody>
+          <a:bodyPr>
+            <a:normAutofit/>
+          </a:bodyPr>
+          <a:lstStyle/>
+          <a:p>
+            <a:r>
+              <a:rPr lang="en-US" dirty="0"/>
+              <a:t>Militarized Events Data provided data for </a:t>
+            </a:r>
+            <a:r>
+              <a:rPr lang="en-US" dirty="0" err="1"/>
+              <a:t>eventnum</a:t>
+            </a:r>
+            <a:r>
+              <a:rPr lang="en-US" dirty="0"/>
+              <a:t> as a sequential battle in a greater war or conflict represented by </a:t>
+            </a:r>
+            <a:r>
+              <a:rPr lang="en-US" dirty="0" err="1"/>
+              <a:t>micnum</a:t>
+            </a:r>
+            <a:r>
+              <a:rPr lang="en-US" dirty="0"/>
+              <a:t>. We </a:t>
+            </a:r>
+          </a:p>
+          <a:p>
+            <a:r>
+              <a:rPr lang="en-US" dirty="0"/>
+              <a:t>We compared the datasets and selected a date range where data was well represented: 1980 - 2014</a:t>
+            </a:r>
+          </a:p>
+          <a:p>
+            <a:r>
+              <a:rPr lang="en-US" dirty="0"/>
+              <a:t>We kept nulls in/out because?</a:t>
+            </a:r>
+          </a:p>
+        </p:txBody>
+      </p:sp>
+    </p:spTree>
+    <p:extLst>
+      <p:ext uri="{BB962C8B-B14F-4D97-AF65-F5344CB8AC3E}">
+        <p14:creationId xmlns:p14="http://schemas.microsoft.com/office/powerpoint/2010/main" val="4243953035"/>
+      </p:ext>
+    </p:extLst>
+  </p:cSld>
+  <p:clrMapOvr>
+    <a:masterClrMapping/>
+  </p:clrMapOvr>
+</p:sld>
+</file>
+
+<file path=ppt/slides/slide7.xml><?xml version="1.0" encoding="utf-8"?>
+<p:sld xmlns:a="http://schemas.openxmlformats.org/drawingml/2006/main" xmlns:r="http://schemas.openxmlformats.org/officeDocument/2006/relationships" xmlns:p="http://schemas.openxmlformats.org/presentationml/2006/main">
+  <p:cSld>
+    <p:spTree>
+      <p:nvGrpSpPr>
+        <p:cNvPr id="1" name=""/>
+        <p:cNvGrpSpPr/>
+        <p:nvPr/>
+      </p:nvGrpSpPr>
+      <p:grpSpPr>
+        <a:xfrm>
+          <a:off x="0" y="0"/>
+          <a:ext cx="0" cy="0"/>
+          <a:chOff x="0" y="0"/>
+          <a:chExt cx="0" cy="0"/>
+        </a:xfrm>
+      </p:grpSpPr>
+      <p:sp>
+        <p:nvSpPr>
+          <p:cNvPr id="2" name="Title 1">
+            <a:extLst>
+              <a:ext uri="{FF2B5EF4-FFF2-40B4-BE49-F238E27FC236}">
+                <a16:creationId xmlns:a16="http://schemas.microsoft.com/office/drawing/2014/main" id="{2215DCAC-3F53-D1CF-E7CF-3FA366DA9FCB}"/>
+              </a:ext>
+            </a:extLst>
+          </p:cNvPr>
+          <p:cNvSpPr>
+            <a:spLocks noGrp="1"/>
+          </p:cNvSpPr>
+          <p:nvPr>
+            <p:ph type="title"/>
+          </p:nvPr>
+        </p:nvSpPr>
+        <p:spPr/>
+        <p:txBody>
+          <a:bodyPr/>
+          <a:lstStyle/>
+          <a:p>
+            <a:r>
+              <a:rPr lang="en-US" dirty="0"/>
+              <a:t>Task 3: Data Integration</a:t>
+            </a:r>
+          </a:p>
+        </p:txBody>
+      </p:sp>
+      <p:sp>
+        <p:nvSpPr>
+          <p:cNvPr id="3" name="Content Placeholder 2">
+            <a:extLst>
+              <a:ext uri="{FF2B5EF4-FFF2-40B4-BE49-F238E27FC236}">
+                <a16:creationId xmlns:a16="http://schemas.microsoft.com/office/drawing/2014/main" id="{FDDD19BF-AC42-8D7E-20D9-68D1D057CB66}"/>
+              </a:ext>
+            </a:extLst>
+          </p:cNvPr>
+          <p:cNvSpPr>
+            <a:spLocks noGrp="1"/>
+          </p:cNvSpPr>
+          <p:nvPr>
+            <p:ph idx="1"/>
+          </p:nvPr>
+        </p:nvSpPr>
+        <p:spPr/>
+        <p:txBody>
+          <a:bodyPr>
+            <a:normAutofit/>
+          </a:bodyPr>
+          <a:lstStyle/>
+          <a:p>
+            <a:r>
+              <a:rPr lang="en-US" dirty="0"/>
+              <a:t>We individually integrated cleaned up csv files within our topic areas. This allowed us to select which datasets applied to our specific topic areas for analysis.</a:t>
+            </a:r>
+          </a:p>
+        </p:txBody>
+      </p:sp>
+    </p:spTree>
+    <p:extLst>
+      <p:ext uri="{BB962C8B-B14F-4D97-AF65-F5344CB8AC3E}">
+        <p14:creationId xmlns:p14="http://schemas.microsoft.com/office/powerpoint/2010/main" val="868502603"/>
+      </p:ext>
+    </p:extLst>
+  </p:cSld>
+  <p:clrMapOvr>
+    <a:masterClrMapping/>
+  </p:clrMapOvr>
+</p:sld>
+</file>
+
+<file path=ppt/slides/slide8.xml><?xml version="1.0" encoding="utf-8"?>
+<p:sld xmlns:a="http://schemas.openxmlformats.org/drawingml/2006/main" xmlns:r="http://schemas.openxmlformats.org/officeDocument/2006/relationships" xmlns:p="http://schemas.openxmlformats.org/presentationml/2006/main">
+  <p:cSld>
+    <p:spTree>
+      <p:nvGrpSpPr>
+        <p:cNvPr id="1" name=""/>
+        <p:cNvGrpSpPr/>
+        <p:nvPr/>
+      </p:nvGrpSpPr>
+      <p:grpSpPr>
+        <a:xfrm>
+          <a:off x="0" y="0"/>
+          <a:ext cx="0" cy="0"/>
+          <a:chOff x="0" y="0"/>
+          <a:chExt cx="0" cy="0"/>
+        </a:xfrm>
+      </p:grpSpPr>
+      <p:sp>
+        <p:nvSpPr>
           <p:cNvPr id="4" name="Rectangle 1">
             <a:extLst>
               <a:ext uri="{FF2B5EF4-FFF2-40B4-BE49-F238E27FC236}">
@@ -4119,7 +5897,7 @@
 </p:sld>
 </file>
 
-<file path=ppt/slides/slide3.xml><?xml version="1.0" encoding="utf-8"?>
+<file path=ppt/slides/slide9.xml><?xml version="1.0" encoding="utf-8"?>
 <p:sld xmlns:a="http://schemas.openxmlformats.org/drawingml/2006/main" xmlns:r="http://schemas.openxmlformats.org/officeDocument/2006/relationships" xmlns:p="http://schemas.openxmlformats.org/presentationml/2006/main">
   <p:cSld>
     <p:spTree>
@@ -4301,775 +6079,6 @@
     <p:extLst>
       <p:ext uri="{BB962C8B-B14F-4D97-AF65-F5344CB8AC3E}">
         <p14:creationId xmlns:p14="http://schemas.microsoft.com/office/powerpoint/2010/main" val="3169597590"/>
-      </p:ext>
-    </p:extLst>
-  </p:cSld>
-  <p:clrMapOvr>
-    <a:masterClrMapping/>
-  </p:clrMapOvr>
-</p:sld>
-</file>
-
-<file path=ppt/slides/slide4.xml><?xml version="1.0" encoding="utf-8"?>
-<p:sld xmlns:a="http://schemas.openxmlformats.org/drawingml/2006/main" xmlns:r="http://schemas.openxmlformats.org/officeDocument/2006/relationships" xmlns:p="http://schemas.openxmlformats.org/presentationml/2006/main">
-  <p:cSld>
-    <p:spTree>
-      <p:nvGrpSpPr>
-        <p:cNvPr id="1" name=""/>
-        <p:cNvGrpSpPr/>
-        <p:nvPr/>
-      </p:nvGrpSpPr>
-      <p:grpSpPr>
-        <a:xfrm>
-          <a:off x="0" y="0"/>
-          <a:ext cx="0" cy="0"/>
-          <a:chOff x="0" y="0"/>
-          <a:chExt cx="0" cy="0"/>
-        </a:xfrm>
-      </p:grpSpPr>
-      <p:sp>
-        <p:nvSpPr>
-          <p:cNvPr id="2" name="Title 1">
-            <a:extLst>
-              <a:ext uri="{FF2B5EF4-FFF2-40B4-BE49-F238E27FC236}">
-                <a16:creationId xmlns:a16="http://schemas.microsoft.com/office/drawing/2014/main" id="{DF924D6F-EABB-7C31-B918-B51CCF7A3D84}"/>
-              </a:ext>
-            </a:extLst>
-          </p:cNvPr>
-          <p:cNvSpPr>
-            <a:spLocks noGrp="1"/>
-          </p:cNvSpPr>
-          <p:nvPr>
-            <p:ph type="title"/>
-          </p:nvPr>
-        </p:nvSpPr>
-        <p:spPr/>
-        <p:txBody>
-          <a:bodyPr/>
-          <a:lstStyle/>
-          <a:p>
-            <a:endParaRPr lang="en-US"/>
-          </a:p>
-        </p:txBody>
-      </p:sp>
-      <p:sp>
-        <p:nvSpPr>
-          <p:cNvPr id="3" name="Content Placeholder 2">
-            <a:extLst>
-              <a:ext uri="{FF2B5EF4-FFF2-40B4-BE49-F238E27FC236}">
-                <a16:creationId xmlns:a16="http://schemas.microsoft.com/office/drawing/2014/main" id="{C9CCDEED-0F03-D896-5146-E7492B6360EB}"/>
-              </a:ext>
-            </a:extLst>
-          </p:cNvPr>
-          <p:cNvSpPr>
-            <a:spLocks noGrp="1"/>
-          </p:cNvSpPr>
-          <p:nvPr>
-            <p:ph idx="1"/>
-          </p:nvPr>
-        </p:nvSpPr>
-        <p:spPr/>
-        <p:txBody>
-          <a:bodyPr/>
-          <a:lstStyle/>
-          <a:p>
-            <a:endParaRPr lang="en-US"/>
-          </a:p>
-        </p:txBody>
-      </p:sp>
-      <p:sp>
-        <p:nvSpPr>
-          <p:cNvPr id="4" name="Rectangle 1">
-            <a:extLst>
-              <a:ext uri="{FF2B5EF4-FFF2-40B4-BE49-F238E27FC236}">
-                <a16:creationId xmlns:a16="http://schemas.microsoft.com/office/drawing/2014/main" id="{A349B759-533C-F1F2-D7B7-0D57F69E11B5}"/>
-              </a:ext>
-            </a:extLst>
-          </p:cNvPr>
-          <p:cNvSpPr txBox="1">
-            <a:spLocks noChangeArrowheads="1"/>
-          </p:cNvSpPr>
-          <p:nvPr/>
-        </p:nvSpPr>
-        <p:spPr bwMode="auto">
-          <a:xfrm>
-            <a:off x="838200" y="473908"/>
-            <a:ext cx="10515600" cy="1107996"/>
-          </a:xfrm>
-          <a:prstGeom prst="rect">
-            <a:avLst/>
-          </a:prstGeom>
-          <a:solidFill>
-            <a:srgbClr val="FFFFFF"/>
-          </a:solidFill>
-          <a:ln>
-            <a:noFill/>
-          </a:ln>
-          <a:effectLst/>
-          <a:extLst>
-            <a:ext uri="{91240B29-F687-4F45-9708-019B960494DF}">
-              <a14:hiddenLine xmlns:a14="http://schemas.microsoft.com/office/drawing/2010/main" w="9525">
-                <a:solidFill>
-                  <a:schemeClr val="tx1"/>
-                </a:solidFill>
-                <a:miter lim="800000"/>
-                <a:headEnd/>
-                <a:tailEnd/>
-              </a14:hiddenLine>
-            </a:ext>
-            <a:ext uri="{AF507438-7753-43E0-B8FC-AC1667EBCBE1}">
-              <a14:hiddenEffects xmlns:a14="http://schemas.microsoft.com/office/drawing/2010/main">
-                <a:effectLst>
-                  <a:outerShdw dist="35921" dir="2700000" algn="ctr" rotWithShape="0">
-                    <a:schemeClr val="bg2"/>
-                  </a:outerShdw>
-                </a:effectLst>
-              </a14:hiddenEffects>
-            </a:ext>
-          </a:extLst>
-        </p:spPr>
-        <p:txBody>
-          <a:bodyPr vert="horz" wrap="square" lIns="91440" tIns="0" rIns="91440" bIns="0" numCol="1" rtlCol="0" anchor="ctr" anchorCtr="0" compatLnSpc="1">
-            <a:prstTxWarp prst="textNoShape">
-              <a:avLst/>
-            </a:prstTxWarp>
-            <a:spAutoFit/>
-          </a:bodyPr>
-          <a:lstStyle>
-            <a:lvl1pPr algn="l" defTabSz="914400" rtl="0" eaLnBrk="1" latinLnBrk="0" hangingPunct="1">
-              <a:lnSpc>
-                <a:spcPct val="90000"/>
-              </a:lnSpc>
-              <a:spcBef>
-                <a:spcPct val="0"/>
-              </a:spcBef>
-              <a:buNone/>
-              <a:defRPr sz="4400" kern="1200">
-                <a:solidFill>
-                  <a:schemeClr val="tx1"/>
-                </a:solidFill>
-                <a:latin typeface="+mj-lt"/>
-                <a:ea typeface="+mj-ea"/>
-                <a:cs typeface="+mj-cs"/>
-              </a:defRPr>
-            </a:lvl1pPr>
-          </a:lstStyle>
-          <a:p>
-            <a:pPr algn="ctr" eaLnBrk="0" fontAlgn="base" hangingPunct="0">
-              <a:lnSpc>
-                <a:spcPct val="100000"/>
-              </a:lnSpc>
-              <a:spcAft>
-                <a:spcPct val="0"/>
-              </a:spcAft>
-            </a:pPr>
-            <a:r>
-              <a:rPr lang="en-US" altLang="en-US" sz="3600" dirty="0">
-                <a:solidFill>
-                  <a:srgbClr val="1F2328"/>
-                </a:solidFill>
-                <a:latin typeface="var(--fontStack-monospace, ui-monospace, SFMono-Regular, SF Mono, Menlo, Consolas, Liberation Mono, monospace)"/>
-              </a:rPr>
-              <a:t>Can changes in water availability predict increases in conflict events?</a:t>
-            </a:r>
-            <a:endParaRPr lang="en-US" altLang="en-US" sz="3600" dirty="0">
-              <a:latin typeface="Arial" panose="020B0604020202020204" pitchFamily="34" charset="0"/>
-            </a:endParaRPr>
-          </a:p>
-        </p:txBody>
-      </p:sp>
-    </p:spTree>
-    <p:extLst>
-      <p:ext uri="{BB962C8B-B14F-4D97-AF65-F5344CB8AC3E}">
-        <p14:creationId xmlns:p14="http://schemas.microsoft.com/office/powerpoint/2010/main" val="889048183"/>
-      </p:ext>
-    </p:extLst>
-  </p:cSld>
-  <p:clrMapOvr>
-    <a:masterClrMapping/>
-  </p:clrMapOvr>
-</p:sld>
-</file>
-
-<file path=ppt/slides/slide5.xml><?xml version="1.0" encoding="utf-8"?>
-<p:sld xmlns:a="http://schemas.openxmlformats.org/drawingml/2006/main" xmlns:r="http://schemas.openxmlformats.org/officeDocument/2006/relationships" xmlns:p="http://schemas.openxmlformats.org/presentationml/2006/main">
-  <p:cSld>
-    <p:spTree>
-      <p:nvGrpSpPr>
-        <p:cNvPr id="1" name=""/>
-        <p:cNvGrpSpPr/>
-        <p:nvPr/>
-      </p:nvGrpSpPr>
-      <p:grpSpPr>
-        <a:xfrm>
-          <a:off x="0" y="0"/>
-          <a:ext cx="0" cy="0"/>
-          <a:chOff x="0" y="0"/>
-          <a:chExt cx="0" cy="0"/>
-        </a:xfrm>
-      </p:grpSpPr>
-      <p:sp>
-        <p:nvSpPr>
-          <p:cNvPr id="2" name="Title 1">
-            <a:extLst>
-              <a:ext uri="{FF2B5EF4-FFF2-40B4-BE49-F238E27FC236}">
-                <a16:creationId xmlns:a16="http://schemas.microsoft.com/office/drawing/2014/main" id="{E401CA9A-1960-1AC2-3214-EE4F524C3D11}"/>
-              </a:ext>
-            </a:extLst>
-          </p:cNvPr>
-          <p:cNvSpPr>
-            <a:spLocks noGrp="1"/>
-          </p:cNvSpPr>
-          <p:nvPr>
-            <p:ph type="title"/>
-          </p:nvPr>
-        </p:nvSpPr>
-        <p:spPr/>
-        <p:txBody>
-          <a:bodyPr/>
-          <a:lstStyle/>
-          <a:p>
-            <a:endParaRPr lang="en-US"/>
-          </a:p>
-        </p:txBody>
-      </p:sp>
-      <p:sp>
-        <p:nvSpPr>
-          <p:cNvPr id="3" name="Content Placeholder 2">
-            <a:extLst>
-              <a:ext uri="{FF2B5EF4-FFF2-40B4-BE49-F238E27FC236}">
-                <a16:creationId xmlns:a16="http://schemas.microsoft.com/office/drawing/2014/main" id="{AFEEC5D9-A576-ECC0-9A64-AC1A65D65312}"/>
-              </a:ext>
-            </a:extLst>
-          </p:cNvPr>
-          <p:cNvSpPr>
-            <a:spLocks noGrp="1"/>
-          </p:cNvSpPr>
-          <p:nvPr>
-            <p:ph idx="1"/>
-          </p:nvPr>
-        </p:nvSpPr>
-        <p:spPr/>
-        <p:txBody>
-          <a:bodyPr/>
-          <a:lstStyle/>
-          <a:p>
-            <a:endParaRPr lang="en-US"/>
-          </a:p>
-        </p:txBody>
-      </p:sp>
-      <p:sp>
-        <p:nvSpPr>
-          <p:cNvPr id="4" name="Rectangle 1">
-            <a:extLst>
-              <a:ext uri="{FF2B5EF4-FFF2-40B4-BE49-F238E27FC236}">
-                <a16:creationId xmlns:a16="http://schemas.microsoft.com/office/drawing/2014/main" id="{071311BC-608E-319C-C10A-0F0D96E60CED}"/>
-              </a:ext>
-            </a:extLst>
-          </p:cNvPr>
-          <p:cNvSpPr txBox="1">
-            <a:spLocks noChangeArrowheads="1"/>
-          </p:cNvSpPr>
-          <p:nvPr/>
-        </p:nvSpPr>
-        <p:spPr bwMode="auto">
-          <a:xfrm>
-            <a:off x="838200" y="473908"/>
-            <a:ext cx="10515600" cy="1107996"/>
-          </a:xfrm>
-          <a:prstGeom prst="rect">
-            <a:avLst/>
-          </a:prstGeom>
-          <a:solidFill>
-            <a:srgbClr val="FFFFFF"/>
-          </a:solidFill>
-          <a:ln>
-            <a:noFill/>
-          </a:ln>
-          <a:effectLst/>
-          <a:extLst>
-            <a:ext uri="{91240B29-F687-4F45-9708-019B960494DF}">
-              <a14:hiddenLine xmlns:a14="http://schemas.microsoft.com/office/drawing/2010/main" w="9525">
-                <a:solidFill>
-                  <a:schemeClr val="tx1"/>
-                </a:solidFill>
-                <a:miter lim="800000"/>
-                <a:headEnd/>
-                <a:tailEnd/>
-              </a14:hiddenLine>
-            </a:ext>
-            <a:ext uri="{AF507438-7753-43E0-B8FC-AC1667EBCBE1}">
-              <a14:hiddenEffects xmlns:a14="http://schemas.microsoft.com/office/drawing/2010/main">
-                <a:effectLst>
-                  <a:outerShdw dist="35921" dir="2700000" algn="ctr" rotWithShape="0">
-                    <a:schemeClr val="bg2"/>
-                  </a:outerShdw>
-                </a:effectLst>
-              </a14:hiddenEffects>
-            </a:ext>
-          </a:extLst>
-        </p:spPr>
-        <p:txBody>
-          <a:bodyPr vert="horz" wrap="square" lIns="91440" tIns="0" rIns="91440" bIns="0" numCol="1" rtlCol="0" anchor="ctr" anchorCtr="0" compatLnSpc="1">
-            <a:prstTxWarp prst="textNoShape">
-              <a:avLst/>
-            </a:prstTxWarp>
-            <a:spAutoFit/>
-          </a:bodyPr>
-          <a:lstStyle>
-            <a:lvl1pPr algn="l" defTabSz="914400" rtl="0" eaLnBrk="1" latinLnBrk="0" hangingPunct="1">
-              <a:lnSpc>
-                <a:spcPct val="90000"/>
-              </a:lnSpc>
-              <a:spcBef>
-                <a:spcPct val="0"/>
-              </a:spcBef>
-              <a:buNone/>
-              <a:defRPr sz="4400" kern="1200">
-                <a:solidFill>
-                  <a:schemeClr val="tx1"/>
-                </a:solidFill>
-                <a:latin typeface="+mj-lt"/>
-                <a:ea typeface="+mj-ea"/>
-                <a:cs typeface="+mj-cs"/>
-              </a:defRPr>
-            </a:lvl1pPr>
-          </a:lstStyle>
-          <a:p>
-            <a:pPr algn="ctr" eaLnBrk="0" fontAlgn="base" hangingPunct="0">
-              <a:lnSpc>
-                <a:spcPct val="100000"/>
-              </a:lnSpc>
-              <a:spcAft>
-                <a:spcPct val="0"/>
-              </a:spcAft>
-            </a:pPr>
-            <a:r>
-              <a:rPr lang="en-US" altLang="en-US" sz="3600" dirty="0">
-                <a:solidFill>
-                  <a:srgbClr val="1F2328"/>
-                </a:solidFill>
-                <a:latin typeface="var(--fontStack-monospace, ui-monospace, SFMono-Regular, SF Mono, Menlo, Consolas, Liberation Mono, monospace)"/>
-              </a:rPr>
-              <a:t>Are certain types of conflicts more likely to occur in water-scarce regions?</a:t>
-            </a:r>
-            <a:endParaRPr lang="en-US" altLang="en-US" sz="3600" dirty="0">
-              <a:latin typeface="Arial" panose="020B0604020202020204" pitchFamily="34" charset="0"/>
-            </a:endParaRPr>
-          </a:p>
-        </p:txBody>
-      </p:sp>
-    </p:spTree>
-    <p:extLst>
-      <p:ext uri="{BB962C8B-B14F-4D97-AF65-F5344CB8AC3E}">
-        <p14:creationId xmlns:p14="http://schemas.microsoft.com/office/powerpoint/2010/main" val="2243838733"/>
-      </p:ext>
-    </p:extLst>
-  </p:cSld>
-  <p:clrMapOvr>
-    <a:masterClrMapping/>
-  </p:clrMapOvr>
-</p:sld>
-</file>
-
-<file path=ppt/slides/slide6.xml><?xml version="1.0" encoding="utf-8"?>
-<p:sld xmlns:a="http://schemas.openxmlformats.org/drawingml/2006/main" xmlns:r="http://schemas.openxmlformats.org/officeDocument/2006/relationships" xmlns:p="http://schemas.openxmlformats.org/presentationml/2006/main">
-  <p:cSld>
-    <p:spTree>
-      <p:nvGrpSpPr>
-        <p:cNvPr id="1" name=""/>
-        <p:cNvGrpSpPr/>
-        <p:nvPr/>
-      </p:nvGrpSpPr>
-      <p:grpSpPr>
-        <a:xfrm>
-          <a:off x="0" y="0"/>
-          <a:ext cx="0" cy="0"/>
-          <a:chOff x="0" y="0"/>
-          <a:chExt cx="0" cy="0"/>
-        </a:xfrm>
-      </p:grpSpPr>
-      <p:sp>
-        <p:nvSpPr>
-          <p:cNvPr id="2" name="Title 1">
-            <a:extLst>
-              <a:ext uri="{FF2B5EF4-FFF2-40B4-BE49-F238E27FC236}">
-                <a16:creationId xmlns:a16="http://schemas.microsoft.com/office/drawing/2014/main" id="{67349E9F-F432-7F8D-F59D-3DE53F66345E}"/>
-              </a:ext>
-            </a:extLst>
-          </p:cNvPr>
-          <p:cNvSpPr>
-            <a:spLocks noGrp="1"/>
-          </p:cNvSpPr>
-          <p:nvPr>
-            <p:ph type="title"/>
-          </p:nvPr>
-        </p:nvSpPr>
-        <p:spPr/>
-        <p:txBody>
-          <a:bodyPr/>
-          <a:lstStyle/>
-          <a:p>
-            <a:endParaRPr lang="en-US"/>
-          </a:p>
-        </p:txBody>
-      </p:sp>
-      <p:pic>
-        <p:nvPicPr>
-          <p:cNvPr id="6" name="Content Placeholder 5" descr="A graph showing a line graph&#10;&#10;Description automatically generated with medium confidence">
-            <a:extLst>
-              <a:ext uri="{FF2B5EF4-FFF2-40B4-BE49-F238E27FC236}">
-                <a16:creationId xmlns:a16="http://schemas.microsoft.com/office/drawing/2014/main" id="{AFC9270E-B996-0953-E6D8-95AAC18EDDC7}"/>
-              </a:ext>
-            </a:extLst>
-          </p:cNvPr>
-          <p:cNvPicPr>
-            <a:picLocks noGrp="1" noChangeAspect="1"/>
-          </p:cNvPicPr>
-          <p:nvPr>
-            <p:ph idx="1"/>
-          </p:nvPr>
-        </p:nvPicPr>
-        <p:blipFill>
-          <a:blip r:embed="rId2">
-            <a:extLst>
-              <a:ext uri="{28A0092B-C50C-407E-A947-70E740481C1C}">
-                <a14:useLocalDpi xmlns:a14="http://schemas.microsoft.com/office/drawing/2010/main" val="0"/>
-              </a:ext>
-            </a:extLst>
-          </a:blip>
-          <a:stretch>
-            <a:fillRect/>
-          </a:stretch>
-        </p:blipFill>
-        <p:spPr>
-          <a:xfrm>
-            <a:off x="369788" y="2041990"/>
-            <a:ext cx="5403253" cy="3297618"/>
-          </a:xfrm>
-        </p:spPr>
-      </p:pic>
-      <p:sp>
-        <p:nvSpPr>
-          <p:cNvPr id="4" name="Rectangle 1">
-            <a:extLst>
-              <a:ext uri="{FF2B5EF4-FFF2-40B4-BE49-F238E27FC236}">
-                <a16:creationId xmlns:a16="http://schemas.microsoft.com/office/drawing/2014/main" id="{41F92137-EA5A-6566-E94E-1CB8F04644E0}"/>
-              </a:ext>
-            </a:extLst>
-          </p:cNvPr>
-          <p:cNvSpPr txBox="1">
-            <a:spLocks noChangeArrowheads="1"/>
-          </p:cNvSpPr>
-          <p:nvPr/>
-        </p:nvSpPr>
-        <p:spPr bwMode="auto">
-          <a:xfrm>
-            <a:off x="838200" y="473908"/>
-            <a:ext cx="10515600" cy="1107996"/>
-          </a:xfrm>
-          <a:prstGeom prst="rect">
-            <a:avLst/>
-          </a:prstGeom>
-          <a:solidFill>
-            <a:srgbClr val="FFFFFF"/>
-          </a:solidFill>
-          <a:ln>
-            <a:noFill/>
-          </a:ln>
-          <a:effectLst/>
-          <a:extLst>
-            <a:ext uri="{91240B29-F687-4F45-9708-019B960494DF}">
-              <a14:hiddenLine xmlns:a14="http://schemas.microsoft.com/office/drawing/2010/main" w="9525">
-                <a:solidFill>
-                  <a:schemeClr val="tx1"/>
-                </a:solidFill>
-                <a:miter lim="800000"/>
-                <a:headEnd/>
-                <a:tailEnd/>
-              </a14:hiddenLine>
-            </a:ext>
-            <a:ext uri="{AF507438-7753-43E0-B8FC-AC1667EBCBE1}">
-              <a14:hiddenEffects xmlns:a14="http://schemas.microsoft.com/office/drawing/2010/main">
-                <a:effectLst>
-                  <a:outerShdw dist="35921" dir="2700000" algn="ctr" rotWithShape="0">
-                    <a:schemeClr val="bg2"/>
-                  </a:outerShdw>
-                </a:effectLst>
-              </a14:hiddenEffects>
-            </a:ext>
-          </a:extLst>
-        </p:spPr>
-        <p:txBody>
-          <a:bodyPr vert="horz" wrap="square" lIns="91440" tIns="0" rIns="91440" bIns="0" numCol="1" rtlCol="0" anchor="ctr" anchorCtr="0" compatLnSpc="1">
-            <a:prstTxWarp prst="textNoShape">
-              <a:avLst/>
-            </a:prstTxWarp>
-            <a:spAutoFit/>
-          </a:bodyPr>
-          <a:lstStyle>
-            <a:lvl1pPr algn="l" defTabSz="914400" rtl="0" eaLnBrk="1" latinLnBrk="0" hangingPunct="1">
-              <a:lnSpc>
-                <a:spcPct val="90000"/>
-              </a:lnSpc>
-              <a:spcBef>
-                <a:spcPct val="0"/>
-              </a:spcBef>
-              <a:buNone/>
-              <a:defRPr sz="4400" kern="1200">
-                <a:solidFill>
-                  <a:schemeClr val="tx1"/>
-                </a:solidFill>
-                <a:latin typeface="+mj-lt"/>
-                <a:ea typeface="+mj-ea"/>
-                <a:cs typeface="+mj-cs"/>
-              </a:defRPr>
-            </a:lvl1pPr>
-          </a:lstStyle>
-          <a:p>
-            <a:pPr algn="ctr" eaLnBrk="0" fontAlgn="base" hangingPunct="0">
-              <a:lnSpc>
-                <a:spcPct val="100000"/>
-              </a:lnSpc>
-              <a:spcAft>
-                <a:spcPct val="0"/>
-              </a:spcAft>
-            </a:pPr>
-            <a:r>
-              <a:rPr lang="en-US" altLang="en-US" sz="3600" dirty="0">
-                <a:solidFill>
-                  <a:srgbClr val="1F2328"/>
-                </a:solidFill>
-                <a:latin typeface="var(--fontStack-monospace, ui-monospace, SFMono-Regular, SF Mono, Menlo, Consolas, Liberation Mono, monospace)"/>
-              </a:rPr>
-              <a:t>Are there other factors that affect the frequency of armed conflicts in water scarce areas?</a:t>
-            </a:r>
-            <a:endParaRPr lang="en-US" altLang="en-US" sz="3600" dirty="0">
-              <a:latin typeface="Arial" panose="020B0604020202020204" pitchFamily="34" charset="0"/>
-            </a:endParaRPr>
-          </a:p>
-        </p:txBody>
-      </p:sp>
-      <p:pic>
-        <p:nvPicPr>
-          <p:cNvPr id="8" name="Picture 7" descr="A graph showing the difference between water stress and global emissions&#10;&#10;Description automatically generated">
-            <a:extLst>
-              <a:ext uri="{FF2B5EF4-FFF2-40B4-BE49-F238E27FC236}">
-                <a16:creationId xmlns:a16="http://schemas.microsoft.com/office/drawing/2014/main" id="{DE091708-B4E8-D53B-F5A5-3FDE00EF00B1}"/>
-              </a:ext>
-            </a:extLst>
-          </p:cNvPr>
-          <p:cNvPicPr>
-            <a:picLocks noChangeAspect="1"/>
-          </p:cNvPicPr>
-          <p:nvPr/>
-        </p:nvPicPr>
-        <p:blipFill>
-          <a:blip r:embed="rId3">
-            <a:extLst>
-              <a:ext uri="{28A0092B-C50C-407E-A947-70E740481C1C}">
-                <a14:useLocalDpi xmlns:a14="http://schemas.microsoft.com/office/drawing/2010/main" val="0"/>
-              </a:ext>
-            </a:extLst>
-          </a:blip>
-          <a:stretch>
-            <a:fillRect/>
-          </a:stretch>
-        </p:blipFill>
-        <p:spPr>
-          <a:xfrm>
-            <a:off x="6030946" y="2041990"/>
-            <a:ext cx="5481911" cy="3297618"/>
-          </a:xfrm>
-          <a:prstGeom prst="rect">
-            <a:avLst/>
-          </a:prstGeom>
-        </p:spPr>
-      </p:pic>
-    </p:spTree>
-    <p:extLst>
-      <p:ext uri="{BB962C8B-B14F-4D97-AF65-F5344CB8AC3E}">
-        <p14:creationId xmlns:p14="http://schemas.microsoft.com/office/powerpoint/2010/main" val="3615632765"/>
-      </p:ext>
-    </p:extLst>
-  </p:cSld>
-  <p:clrMapOvr>
-    <a:masterClrMapping/>
-  </p:clrMapOvr>
-</p:sld>
-</file>
-
-<file path=ppt/slides/slide7.xml><?xml version="1.0" encoding="utf-8"?>
-<p:sld xmlns:a="http://schemas.openxmlformats.org/drawingml/2006/main" xmlns:r="http://schemas.openxmlformats.org/officeDocument/2006/relationships" xmlns:p="http://schemas.openxmlformats.org/presentationml/2006/main">
-  <p:cSld>
-    <p:spTree>
-      <p:nvGrpSpPr>
-        <p:cNvPr id="1" name=""/>
-        <p:cNvGrpSpPr/>
-        <p:nvPr/>
-      </p:nvGrpSpPr>
-      <p:grpSpPr>
-        <a:xfrm>
-          <a:off x="0" y="0"/>
-          <a:ext cx="0" cy="0"/>
-          <a:chOff x="0" y="0"/>
-          <a:chExt cx="0" cy="0"/>
-        </a:xfrm>
-      </p:grpSpPr>
-      <p:pic>
-        <p:nvPicPr>
-          <p:cNvPr id="5" name="Picture 4">
-            <a:extLst>
-              <a:ext uri="{FF2B5EF4-FFF2-40B4-BE49-F238E27FC236}">
-                <a16:creationId xmlns:a16="http://schemas.microsoft.com/office/drawing/2014/main" id="{B63360D9-B1EF-88F3-FEA8-005E39272152}"/>
-              </a:ext>
-            </a:extLst>
-          </p:cNvPr>
-          <p:cNvPicPr>
-            <a:picLocks noChangeAspect="1"/>
-          </p:cNvPicPr>
-          <p:nvPr/>
-        </p:nvPicPr>
-        <p:blipFill>
-          <a:blip r:embed="rId2"/>
-          <a:stretch>
-            <a:fillRect/>
-          </a:stretch>
-        </p:blipFill>
-        <p:spPr>
-          <a:xfrm>
-            <a:off x="0" y="0"/>
-            <a:ext cx="12027159" cy="6861309"/>
-          </a:xfrm>
-          <a:prstGeom prst="rect">
-            <a:avLst/>
-          </a:prstGeom>
-        </p:spPr>
-      </p:pic>
-    </p:spTree>
-    <p:extLst>
-      <p:ext uri="{BB962C8B-B14F-4D97-AF65-F5344CB8AC3E}">
-        <p14:creationId xmlns:p14="http://schemas.microsoft.com/office/powerpoint/2010/main" val="3778779866"/>
-      </p:ext>
-    </p:extLst>
-  </p:cSld>
-  <p:clrMapOvr>
-    <a:masterClrMapping/>
-  </p:clrMapOvr>
-</p:sld>
-</file>
-
-<file path=ppt/slides/slide8.xml><?xml version="1.0" encoding="utf-8"?>
-<p:sld xmlns:a="http://schemas.openxmlformats.org/drawingml/2006/main" xmlns:r="http://schemas.openxmlformats.org/officeDocument/2006/relationships" xmlns:p="http://schemas.openxmlformats.org/presentationml/2006/main">
-  <p:cSld>
-    <p:spTree>
-      <p:nvGrpSpPr>
-        <p:cNvPr id="1" name=""/>
-        <p:cNvGrpSpPr/>
-        <p:nvPr/>
-      </p:nvGrpSpPr>
-      <p:grpSpPr>
-        <a:xfrm>
-          <a:off x="0" y="0"/>
-          <a:ext cx="0" cy="0"/>
-          <a:chOff x="0" y="0"/>
-          <a:chExt cx="0" cy="0"/>
-        </a:xfrm>
-      </p:grpSpPr>
-      <p:pic>
-        <p:nvPicPr>
-          <p:cNvPr id="5" name="Picture 4">
-            <a:extLst>
-              <a:ext uri="{FF2B5EF4-FFF2-40B4-BE49-F238E27FC236}">
-                <a16:creationId xmlns:a16="http://schemas.microsoft.com/office/drawing/2014/main" id="{8D8E251B-3991-FBB5-FCE2-3938811CBB79}"/>
-              </a:ext>
-            </a:extLst>
-          </p:cNvPr>
-          <p:cNvPicPr>
-            <a:picLocks noChangeAspect="1"/>
-          </p:cNvPicPr>
-          <p:nvPr/>
-        </p:nvPicPr>
-        <p:blipFill>
-          <a:blip r:embed="rId2"/>
-          <a:stretch>
-            <a:fillRect/>
-          </a:stretch>
-        </p:blipFill>
-        <p:spPr>
-          <a:xfrm>
-            <a:off x="-1" y="0"/>
-            <a:ext cx="11972889" cy="6858000"/>
-          </a:xfrm>
-          <a:prstGeom prst="rect">
-            <a:avLst/>
-          </a:prstGeom>
-        </p:spPr>
-      </p:pic>
-    </p:spTree>
-    <p:extLst>
-      <p:ext uri="{BB962C8B-B14F-4D97-AF65-F5344CB8AC3E}">
-        <p14:creationId xmlns:p14="http://schemas.microsoft.com/office/powerpoint/2010/main" val="1028752856"/>
-      </p:ext>
-    </p:extLst>
-  </p:cSld>
-  <p:clrMapOvr>
-    <a:masterClrMapping/>
-  </p:clrMapOvr>
-</p:sld>
-</file>
-
-<file path=ppt/slides/slide9.xml><?xml version="1.0" encoding="utf-8"?>
-<p:sld xmlns:a="http://schemas.openxmlformats.org/drawingml/2006/main" xmlns:r="http://schemas.openxmlformats.org/officeDocument/2006/relationships" xmlns:p="http://schemas.openxmlformats.org/presentationml/2006/main">
-  <p:cSld>
-    <p:spTree>
-      <p:nvGrpSpPr>
-        <p:cNvPr id="1" name=""/>
-        <p:cNvGrpSpPr/>
-        <p:nvPr/>
-      </p:nvGrpSpPr>
-      <p:grpSpPr>
-        <a:xfrm>
-          <a:off x="0" y="0"/>
-          <a:ext cx="0" cy="0"/>
-          <a:chOff x="0" y="0"/>
-          <a:chExt cx="0" cy="0"/>
-        </a:xfrm>
-      </p:grpSpPr>
-      <p:pic>
-        <p:nvPicPr>
-          <p:cNvPr id="5" name="Picture 4">
-            <a:extLst>
-              <a:ext uri="{FF2B5EF4-FFF2-40B4-BE49-F238E27FC236}">
-                <a16:creationId xmlns:a16="http://schemas.microsoft.com/office/drawing/2014/main" id="{E71A84CA-42E3-A3E6-139C-690D56997A86}"/>
-              </a:ext>
-            </a:extLst>
-          </p:cNvPr>
-          <p:cNvPicPr>
-            <a:picLocks noChangeAspect="1"/>
-          </p:cNvPicPr>
-          <p:nvPr/>
-        </p:nvPicPr>
-        <p:blipFill>
-          <a:blip r:embed="rId2"/>
-          <a:stretch>
-            <a:fillRect/>
-          </a:stretch>
-        </p:blipFill>
-        <p:spPr>
-          <a:xfrm>
-            <a:off x="0" y="0"/>
-            <a:ext cx="11975123" cy="6858000"/>
-          </a:xfrm>
-          <a:prstGeom prst="rect">
-            <a:avLst/>
-          </a:prstGeom>
-        </p:spPr>
-      </p:pic>
-    </p:spTree>
-    <p:extLst>
-      <p:ext uri="{BB962C8B-B14F-4D97-AF65-F5344CB8AC3E}">
-        <p14:creationId xmlns:p14="http://schemas.microsoft.com/office/powerpoint/2010/main" val="3815287690"/>
       </p:ext>
     </p:extLst>
   </p:cSld>
